--- a/PowerPoint_Template.pptx
+++ b/PowerPoint_Template.pptx
@@ -2,7 +2,7 @@
 <file path=ppt/presentation.xml><?xml version="1.0" encoding="utf-8"?>
 <p:presentation xmlns:a="http://schemas.openxmlformats.org/drawingml/2006/main" xmlns:r="http://schemas.openxmlformats.org/officeDocument/2006/relationships" xmlns:p="http://schemas.openxmlformats.org/presentationml/2006/main" saveSubsetFonts="1" autoCompressPictures="0">
   <p:sldMasterIdLst>
-    <p:sldMasterId id="2147483655" r:id="rId1"/>
+    <p:sldMasterId id="2147483711" r:id="rId1"/>
   </p:sldMasterIdLst>
   <p:sldIdLst>
     <p:sldId id="256" r:id="rId2"/>
@@ -129,8 +129,16 @@
 </file>
 
 <file path=ppt/slideLayouts/slideLayout1.xml><?xml version="1.0" encoding="utf-8"?>
-<p:sldLayout xmlns:a="http://schemas.openxmlformats.org/drawingml/2006/main" xmlns:r="http://schemas.openxmlformats.org/officeDocument/2006/relationships" xmlns:p="http://schemas.openxmlformats.org/presentationml/2006/main" showMasterSp="0" type="title" preserve="1">
+<p:sldLayout xmlns:a="http://schemas.openxmlformats.org/drawingml/2006/main" xmlns:r="http://schemas.openxmlformats.org/officeDocument/2006/relationships" xmlns:p="http://schemas.openxmlformats.org/presentationml/2006/main" type="title" preserve="1">
   <p:cSld name="Title Slide">
+    <p:bg>
+      <p:bgPr>
+        <a:solidFill>
+          <a:schemeClr val="accent2"/>
+        </a:solidFill>
+        <a:effectLst/>
+      </p:bgPr>
+    </p:bg>
     <p:spTree>
       <p:nvGrpSpPr>
         <p:cNvPr id="1" name=""/>
@@ -145,495 +153,77 @@
           <a:chExt cx="0" cy="0"/>
         </a:xfrm>
       </p:grpSpPr>
-      <p:pic>
-        <p:nvPicPr>
-          <p:cNvPr id="8" name="Picture 7" descr="Brickwork-SD-R1acrop.jpg"/>
-          <p:cNvPicPr>
-            <a:picLocks noChangeAspect="1"/>
-          </p:cNvPicPr>
-          <p:nvPr/>
-        </p:nvPicPr>
-        <p:blipFill>
-          <a:blip r:embed="rId2">
-            <a:extLst>
-              <a:ext uri="{28A0092B-C50C-407E-A947-70E740481C1C}">
-                <a14:useLocalDpi xmlns:a14="http://schemas.microsoft.com/office/drawing/2010/main" val="0"/>
-              </a:ext>
-            </a:extLst>
-          </a:blip>
-          <a:stretch>
-            <a:fillRect/>
-          </a:stretch>
-        </p:blipFill>
-        <p:spPr>
+      <p:sp>
+        <p:nvSpPr>
+          <p:cNvPr id="2" name="Title 1"/>
+          <p:cNvSpPr>
+            <a:spLocks noGrp="1"/>
+          </p:cNvSpPr>
+          <p:nvPr>
+            <p:ph type="ctrTitle"/>
+          </p:nvPr>
+        </p:nvSpPr>
+        <p:spPr bwMode="blackWhite">
           <a:xfrm>
-            <a:off x="0" y="0"/>
-            <a:ext cx="9144000" cy="6858000"/>
+            <a:off x="1102240" y="2386744"/>
+            <a:ext cx="6939520" cy="1645920"/>
           </a:xfrm>
-          <a:prstGeom prst="rect">
-            <a:avLst/>
-          </a:prstGeom>
-        </p:spPr>
-      </p:pic>
-      <p:sp useBgFill="1">
-        <p:nvSpPr>
-          <p:cNvPr id="13" name="Freeform 12"/>
-          <p:cNvSpPr/>
-          <p:nvPr/>
-        </p:nvSpPr>
-        <p:spPr>
-          <a:xfrm>
-            <a:off x="-8467" y="-16933"/>
-            <a:ext cx="8754534" cy="6451600"/>
-          </a:xfrm>
-          <a:custGeom>
-            <a:avLst/>
-            <a:gdLst/>
-            <a:ahLst/>
-            <a:cxnLst/>
-            <a:rect l="l" t="t" r="r" b="b"/>
-            <a:pathLst>
-              <a:path w="8754534" h="6451600">
-                <a:moveTo>
-                  <a:pt x="8373534" y="0"/>
-                </a:moveTo>
-                <a:lnTo>
-                  <a:pt x="8754534" y="5994400"/>
-                </a:lnTo>
-                <a:lnTo>
-                  <a:pt x="0" y="6451600"/>
-                </a:lnTo>
-                <a:lnTo>
-                  <a:pt x="0" y="0"/>
-                </a:lnTo>
-                <a:lnTo>
-                  <a:pt x="8373534" y="0"/>
-                </a:lnTo>
-                <a:close/>
-              </a:path>
-            </a:pathLst>
-          </a:custGeom>
-          <a:ln>
-            <a:noFill/>
-          </a:ln>
-          <a:effectLst>
-            <a:outerShdw blurRad="98425" dist="76200" dir="4380000" algn="tl" rotWithShape="0">
-              <a:srgbClr val="000000">
-                <a:alpha val="68000"/>
-              </a:srgbClr>
-            </a:outerShdw>
-          </a:effectLst>
-        </p:spPr>
-        <p:style>
-          <a:lnRef idx="1">
-            <a:schemeClr val="accent1"/>
-          </a:lnRef>
-          <a:fillRef idx="3">
-            <a:schemeClr val="accent1"/>
-          </a:fillRef>
-          <a:effectRef idx="2">
-            <a:schemeClr val="accent1"/>
-          </a:effectRef>
-          <a:fontRef idx="minor">
-            <a:schemeClr val="lt1"/>
-          </a:fontRef>
-        </p:style>
-      </p:sp>
-      <p:sp>
-        <p:nvSpPr>
-          <p:cNvPr id="23" name="Freeform 22"/>
-          <p:cNvSpPr/>
-          <p:nvPr/>
-        </p:nvSpPr>
-        <p:spPr>
-          <a:xfrm>
-            <a:off x="-10379" y="4445000"/>
-            <a:ext cx="8464695" cy="1715811"/>
-          </a:xfrm>
-          <a:custGeom>
-            <a:avLst/>
-            <a:gdLst/>
-            <a:ahLst/>
-            <a:cxnLst/>
-            <a:rect l="l" t="t" r="r" b="b"/>
-            <a:pathLst>
-              <a:path w="8428428" h="1878553">
-                <a:moveTo>
-                  <a:pt x="0" y="438229"/>
-                </a:moveTo>
-                <a:lnTo>
-                  <a:pt x="8343246" y="0"/>
-                </a:lnTo>
-                <a:lnTo>
-                  <a:pt x="8428428" y="1424838"/>
-                </a:lnTo>
-                <a:lnTo>
-                  <a:pt x="7515" y="1878553"/>
-                </a:lnTo>
-                <a:lnTo>
-                  <a:pt x="0" y="438229"/>
-                </a:lnTo>
-                <a:close/>
-              </a:path>
-            </a:pathLst>
-          </a:custGeom>
-          <a:gradFill flip="none" rotWithShape="1">
-            <a:gsLst>
-              <a:gs pos="34000">
-                <a:schemeClr val="accent1"/>
-              </a:gs>
-              <a:gs pos="100000">
-                <a:schemeClr val="accent1">
-                  <a:lumMod val="50000"/>
-                </a:schemeClr>
-              </a:gs>
-            </a:gsLst>
-            <a:path path="circle">
-              <a:fillToRect l="50000" t="50000" r="50000" b="50000"/>
-            </a:path>
-            <a:tileRect/>
-          </a:gradFill>
-          <a:ln>
-            <a:noFill/>
+          <a:solidFill>
+            <a:srgbClr val="FFFFFF"/>
+          </a:solidFill>
+          <a:ln w="38100">
+            <a:solidFill>
+              <a:srgbClr val="404040"/>
+            </a:solidFill>
           </a:ln>
         </p:spPr>
-        <p:style>
-          <a:lnRef idx="1">
-            <a:schemeClr val="accent1"/>
-          </a:lnRef>
-          <a:fillRef idx="3">
-            <a:schemeClr val="accent1"/>
-          </a:fillRef>
-          <a:effectRef idx="2">
-            <a:schemeClr val="accent1"/>
-          </a:effectRef>
-          <a:fontRef idx="minor">
-            <a:schemeClr val="lt1"/>
-          </a:fontRef>
-        </p:style>
-      </p:sp>
-      <p:sp>
-        <p:nvSpPr>
-          <p:cNvPr id="29" name="Freeform 28"/>
-          <p:cNvSpPr/>
-          <p:nvPr/>
-        </p:nvSpPr>
-        <p:spPr>
-          <a:xfrm>
-            <a:off x="-2864" y="0"/>
-            <a:ext cx="5811235" cy="321615"/>
-          </a:xfrm>
-          <a:custGeom>
-            <a:avLst/>
-            <a:gdLst/>
-            <a:ahLst/>
-            <a:cxnLst/>
-            <a:rect l="l" t="t" r="r" b="b"/>
-            <a:pathLst>
-              <a:path w="5811235" h="321615">
-                <a:moveTo>
-                  <a:pt x="0" y="0"/>
-                </a:moveTo>
-                <a:lnTo>
-                  <a:pt x="5811235" y="0"/>
-                </a:lnTo>
-                <a:lnTo>
-                  <a:pt x="1" y="321615"/>
-                </a:lnTo>
-                <a:cubicBezTo>
-                  <a:pt x="1" y="214410"/>
-                  <a:pt x="0" y="107205"/>
-                  <a:pt x="0" y="0"/>
-                </a:cubicBezTo>
-                <a:close/>
-              </a:path>
-            </a:pathLst>
-          </a:custGeom>
-          <a:gradFill flip="none" rotWithShape="1">
-            <a:gsLst>
-              <a:gs pos="34000">
-                <a:schemeClr val="accent1"/>
-              </a:gs>
-              <a:gs pos="100000">
-                <a:schemeClr val="accent1">
-                  <a:lumMod val="50000"/>
-                </a:schemeClr>
-              </a:gs>
-            </a:gsLst>
-            <a:path path="circle">
-              <a:fillToRect l="50000" t="50000" r="50000" b="50000"/>
-            </a:path>
-            <a:tileRect/>
-          </a:gradFill>
-          <a:ln>
-            <a:noFill/>
-          </a:ln>
-        </p:spPr>
-        <p:style>
-          <a:lnRef idx="1">
-            <a:schemeClr val="accent1"/>
-          </a:lnRef>
-          <a:fillRef idx="3">
-            <a:schemeClr val="accent1"/>
-          </a:fillRef>
-          <a:effectRef idx="2">
-            <a:schemeClr val="accent1"/>
-          </a:effectRef>
-          <a:fontRef idx="minor">
-            <a:schemeClr val="lt1"/>
-          </a:fontRef>
-        </p:style>
-      </p:sp>
-      <p:sp>
-        <p:nvSpPr>
-          <p:cNvPr id="30" name="Freeform 29"/>
-          <p:cNvSpPr/>
-          <p:nvPr/>
-        </p:nvSpPr>
-        <p:spPr>
-          <a:xfrm rot="21420000">
-            <a:off x="-170768" y="213023"/>
-            <a:ext cx="8480534" cy="5746008"/>
-          </a:xfrm>
-          <a:custGeom>
-            <a:avLst/>
-            <a:gdLst/>
-            <a:ahLst/>
-            <a:cxnLst/>
-            <a:rect l="l" t="t" r="r" b="b"/>
-            <a:pathLst>
-              <a:path w="11307378" h="5746008">
-                <a:moveTo>
-                  <a:pt x="11270997" y="0"/>
-                </a:moveTo>
-                <a:lnTo>
-                  <a:pt x="11307378" y="5746008"/>
-                </a:lnTo>
-                <a:lnTo>
-                  <a:pt x="1" y="5743137"/>
-                </a:lnTo>
-              </a:path>
-            </a:pathLst>
-          </a:custGeom>
-          <a:ln w="82550">
-            <a:solidFill>
-              <a:schemeClr val="tx1">
-                <a:lumMod val="50000"/>
-                <a:lumOff val="50000"/>
-              </a:schemeClr>
-            </a:solidFill>
-            <a:miter lim="800000"/>
-          </a:ln>
-        </p:spPr>
-        <p:style>
-          <a:lnRef idx="2">
-            <a:schemeClr val="accent1"/>
-          </a:lnRef>
-          <a:fillRef idx="0">
-            <a:schemeClr val="accent1"/>
-          </a:fillRef>
-          <a:effectRef idx="1">
-            <a:schemeClr val="accent1"/>
-          </a:effectRef>
-          <a:fontRef idx="minor">
-            <a:schemeClr val="tx1"/>
-          </a:fontRef>
-        </p:style>
-      </p:sp>
-      <p:sp>
-        <p:nvSpPr>
-          <p:cNvPr id="2" name="Title 1"/>
-          <p:cNvSpPr>
-            <a:spLocks noGrp="1"/>
-          </p:cNvSpPr>
-          <p:nvPr>
-            <p:ph type="ctrTitle"/>
-          </p:nvPr>
-        </p:nvSpPr>
-        <p:spPr>
-          <a:xfrm rot="21420000">
-            <a:off x="451416" y="668338"/>
-            <a:ext cx="7533524" cy="2766528"/>
-          </a:xfrm>
-        </p:spPr>
-        <p:txBody>
-          <a:bodyPr anchor="b">
+        <p:txBody>
+          <a:bodyPr lIns="274320" rIns="274320" anchor="ctr" anchorCtr="1">
             <a:normAutofit/>
           </a:bodyPr>
           <a:lstStyle>
-            <a:lvl1pPr algn="r">
-              <a:defRPr sz="7200"/>
-            </a:lvl1pPr>
-          </a:lstStyle>
-          <a:p>
-            <a:r>
-              <a:rPr lang="en-US" smtClean="0"/>
-              <a:t>Click to edit Master title style</a:t>
-            </a:r>
-            <a:endParaRPr lang="en-US" dirty="0"/>
-          </a:p>
-        </p:txBody>
-      </p:sp>
-      <p:sp>
-        <p:nvSpPr>
-          <p:cNvPr id="3" name="Subtitle 2"/>
-          <p:cNvSpPr>
-            <a:spLocks noGrp="1"/>
-          </p:cNvSpPr>
-          <p:nvPr>
-            <p:ph type="subTitle" idx="1"/>
-          </p:nvPr>
-        </p:nvSpPr>
-        <p:spPr>
-          <a:xfrm rot="21420000">
-            <a:off x="554462" y="3446830"/>
-            <a:ext cx="7512060" cy="550333"/>
-          </a:xfrm>
-        </p:spPr>
-        <p:txBody>
-          <a:bodyPr anchor="t">
-            <a:noAutofit/>
-          </a:bodyPr>
-          <a:lstStyle>
-            <a:lvl1pPr marL="0" indent="0" algn="r">
-              <a:buNone/>
-              <a:defRPr sz="2400">
+            <a:lvl1pPr algn="ctr">
+              <a:defRPr sz="3500">
                 <a:solidFill>
-                  <a:schemeClr val="bg1">
-                    <a:lumMod val="50000"/>
-                  </a:schemeClr>
-                </a:solidFill>
-              </a:defRPr>
-            </a:lvl1pPr>
-            <a:lvl2pPr marL="457200" indent="0" algn="ctr">
-              <a:buNone/>
-              <a:defRPr sz="2000"/>
-            </a:lvl2pPr>
-            <a:lvl3pPr marL="914400" indent="0" algn="ctr">
-              <a:buNone/>
-              <a:defRPr sz="1800"/>
-            </a:lvl3pPr>
-            <a:lvl4pPr marL="1371600" indent="0" algn="ctr">
-              <a:buNone/>
-              <a:defRPr sz="1600"/>
-            </a:lvl4pPr>
-            <a:lvl5pPr marL="1828800" indent="0" algn="ctr">
-              <a:buNone/>
-              <a:defRPr sz="1600"/>
-            </a:lvl5pPr>
-            <a:lvl6pPr marL="2286000" indent="0" algn="ctr">
-              <a:buNone/>
-              <a:defRPr sz="1600"/>
-            </a:lvl6pPr>
-            <a:lvl7pPr marL="2743200" indent="0" algn="ctr">
-              <a:buNone/>
-              <a:defRPr sz="1600"/>
-            </a:lvl7pPr>
-            <a:lvl8pPr marL="3200400" indent="0" algn="ctr">
-              <a:buNone/>
-              <a:defRPr sz="1600"/>
-            </a:lvl8pPr>
-            <a:lvl9pPr marL="3657600" indent="0" algn="ctr">
-              <a:buNone/>
-              <a:defRPr sz="1600"/>
-            </a:lvl9pPr>
-          </a:lstStyle>
-          <a:p>
-            <a:r>
-              <a:rPr lang="en-US" smtClean="0"/>
-              <a:t>Click to edit Master subtitle style</a:t>
-            </a:r>
-            <a:endParaRPr lang="en-US" dirty="0"/>
-          </a:p>
-        </p:txBody>
-      </p:sp>
-      <p:sp>
-        <p:nvSpPr>
-          <p:cNvPr id="4" name="Date Placeholder 3"/>
-          <p:cNvSpPr>
-            <a:spLocks noGrp="1"/>
-          </p:cNvSpPr>
-          <p:nvPr>
-            <p:ph type="dt" sz="half" idx="10"/>
-          </p:nvPr>
-        </p:nvSpPr>
-        <p:spPr>
-          <a:xfrm rot="21420000">
-            <a:off x="3669071" y="4714242"/>
-            <a:ext cx="4607740" cy="942356"/>
-          </a:xfrm>
-        </p:spPr>
-        <p:txBody>
-          <a:bodyPr/>
-          <a:lstStyle>
-            <a:lvl1pPr algn="ctr">
-              <a:defRPr sz="4200">
-                <a:solidFill>
-                  <a:schemeClr val="accent1">
-                    <a:lumMod val="50000"/>
-                  </a:schemeClr>
+                  <a:srgbClr val="262626"/>
                 </a:solidFill>
               </a:defRPr>
             </a:lvl1pPr>
           </a:lstStyle>
           <a:p>
-            <a:fld id="{241EB5C9-1307-BA42-ABA2-0BC069CD8E7F}" type="datetimeFigureOut">
-              <a:rPr lang="en-US" smtClean="0"/>
-              <a:t>7/13/2020</a:t>
-            </a:fld>
-            <a:endParaRPr lang="en-US"/>
-          </a:p>
-        </p:txBody>
-      </p:sp>
-      <p:sp>
-        <p:nvSpPr>
-          <p:cNvPr id="5" name="Footer Placeholder 4"/>
-          <p:cNvSpPr>
-            <a:spLocks noGrp="1"/>
-          </p:cNvSpPr>
-          <p:nvPr>
-            <p:ph type="ftr" sz="quarter" idx="11"/>
+            <a:r>
+              <a:rPr lang="en-US" smtClean="0"/>
+              <a:t>Click to edit Master title style</a:t>
+            </a:r>
+            <a:endParaRPr lang="en-US" dirty="0"/>
+          </a:p>
+        </p:txBody>
+      </p:sp>
+      <p:sp>
+        <p:nvSpPr>
+          <p:cNvPr id="3" name="Subtitle 2"/>
+          <p:cNvSpPr>
+            <a:spLocks noGrp="1"/>
+          </p:cNvSpPr>
+          <p:nvPr>
+            <p:ph type="subTitle" idx="1"/>
           </p:nvPr>
         </p:nvSpPr>
         <p:spPr>
-          <a:xfrm rot="21420000">
-            <a:off x="-12134" y="4954635"/>
-            <a:ext cx="2987069" cy="918361"/>
+          <a:xfrm>
+            <a:off x="2021396" y="4352544"/>
+            <a:ext cx="5101209" cy="1239894"/>
           </a:xfrm>
+          <a:noFill/>
         </p:spPr>
         <p:txBody>
-          <a:bodyPr vert="horz" lIns="91440" tIns="45720" rIns="91440" bIns="45720" rtlCol="0" anchor="ctr"/>
+          <a:bodyPr>
+            <a:normAutofit/>
+          </a:bodyPr>
           <a:lstStyle>
-            <a:lvl1pPr algn="r">
-              <a:defRPr lang="en-US" sz="4200" dirty="0"/>
-            </a:lvl1pPr>
-          </a:lstStyle>
-          <a:p>
-            <a:endParaRPr lang="en-US"/>
-          </a:p>
-        </p:txBody>
-      </p:sp>
-      <p:sp>
-        <p:nvSpPr>
-          <p:cNvPr id="6" name="Slide Number Placeholder 5"/>
-          <p:cNvSpPr>
-            <a:spLocks noGrp="1"/>
-          </p:cNvSpPr>
-          <p:nvPr>
-            <p:ph type="sldNum" sz="quarter" idx="12"/>
-          </p:nvPr>
-        </p:nvSpPr>
-        <p:spPr>
-          <a:xfrm rot="21420000">
-            <a:off x="7401518" y="3819948"/>
-            <a:ext cx="680390" cy="498470"/>
-          </a:xfrm>
-        </p:spPr>
-        <p:txBody>
-          <a:bodyPr/>
-          <a:lstStyle>
-            <a:lvl1pPr>
-              <a:defRPr sz="2400">
+            <a:lvl1pPr marL="0" indent="0" algn="ctr">
+              <a:buNone/>
+              <a:defRPr sz="1900">
                 <a:solidFill>
                   <a:schemeClr val="tx1">
                     <a:lumMod val="75000"/>
@@ -642,7 +232,104 @@
                 </a:solidFill>
               </a:defRPr>
             </a:lvl1pPr>
+            <a:lvl2pPr marL="457200" indent="0" algn="ctr">
+              <a:buNone/>
+              <a:defRPr sz="1900"/>
+            </a:lvl2pPr>
+            <a:lvl3pPr marL="914400" indent="0" algn="ctr">
+              <a:buNone/>
+              <a:defRPr sz="1800"/>
+            </a:lvl3pPr>
+            <a:lvl4pPr marL="1371600" indent="0" algn="ctr">
+              <a:buNone/>
+              <a:defRPr sz="1600"/>
+            </a:lvl4pPr>
+            <a:lvl5pPr marL="1828800" indent="0" algn="ctr">
+              <a:buNone/>
+              <a:defRPr sz="1600"/>
+            </a:lvl5pPr>
+            <a:lvl6pPr marL="2286000" indent="0" algn="ctr">
+              <a:buNone/>
+              <a:defRPr sz="1600"/>
+            </a:lvl6pPr>
+            <a:lvl7pPr marL="2743200" indent="0" algn="ctr">
+              <a:buNone/>
+              <a:defRPr sz="1600"/>
+            </a:lvl7pPr>
+            <a:lvl8pPr marL="3200400" indent="0" algn="ctr">
+              <a:buNone/>
+              <a:defRPr sz="1600"/>
+            </a:lvl8pPr>
+            <a:lvl9pPr marL="3657600" indent="0" algn="ctr">
+              <a:buNone/>
+              <a:defRPr sz="1600"/>
+            </a:lvl9pPr>
           </a:lstStyle>
+          <a:p>
+            <a:r>
+              <a:rPr lang="en-US" smtClean="0"/>
+              <a:t>Click to edit Master subtitle style</a:t>
+            </a:r>
+            <a:endParaRPr lang="en-US" dirty="0"/>
+          </a:p>
+        </p:txBody>
+      </p:sp>
+      <p:sp>
+        <p:nvSpPr>
+          <p:cNvPr id="7" name="Date Placeholder 6"/>
+          <p:cNvSpPr>
+            <a:spLocks noGrp="1"/>
+          </p:cNvSpPr>
+          <p:nvPr>
+            <p:ph type="dt" sz="half" idx="10"/>
+          </p:nvPr>
+        </p:nvSpPr>
+        <p:spPr/>
+        <p:txBody>
+          <a:bodyPr/>
+          <a:lstStyle/>
+          <a:p>
+            <a:fld id="{241EB5C9-1307-BA42-ABA2-0BC069CD8E7F}" type="datetimeFigureOut">
+              <a:rPr lang="en-US" smtClean="0"/>
+              <a:t>7/13/2021</a:t>
+            </a:fld>
+            <a:endParaRPr lang="en-US"/>
+          </a:p>
+        </p:txBody>
+      </p:sp>
+      <p:sp>
+        <p:nvSpPr>
+          <p:cNvPr id="8" name="Footer Placeholder 7"/>
+          <p:cNvSpPr>
+            <a:spLocks noGrp="1"/>
+          </p:cNvSpPr>
+          <p:nvPr>
+            <p:ph type="ftr" sz="quarter" idx="11"/>
+          </p:nvPr>
+        </p:nvSpPr>
+        <p:spPr/>
+        <p:txBody>
+          <a:bodyPr/>
+          <a:lstStyle/>
+          <a:p>
+            <a:endParaRPr lang="en-US"/>
+          </a:p>
+        </p:txBody>
+      </p:sp>
+      <p:sp>
+        <p:nvSpPr>
+          <p:cNvPr id="9" name="Slide Number Placeholder 8"/>
+          <p:cNvSpPr>
+            <a:spLocks noGrp="1"/>
+          </p:cNvSpPr>
+          <p:nvPr>
+            <p:ph type="sldNum" sz="quarter" idx="12"/>
+          </p:nvPr>
+        </p:nvSpPr>
+        <p:spPr/>
+        <p:txBody>
+          <a:bodyPr/>
+          <a:lstStyle/>
           <a:p>
             <a:fld id="{C5EF2332-01BF-834F-8236-50238282D533}" type="slidenum">
               <a:rPr lang="en-US" smtClean="0"/>
@@ -652,52 +339,360 @@
           </a:p>
         </p:txBody>
       </p:sp>
-      <p:sp>
-        <p:nvSpPr>
-          <p:cNvPr id="33" name="5-Point Star 32"/>
-          <p:cNvSpPr/>
-          <p:nvPr/>
-        </p:nvSpPr>
-        <p:spPr>
-          <a:xfrm rot="21420000">
-            <a:off x="3121951" y="5057183"/>
-            <a:ext cx="515386" cy="515386"/>
-          </a:xfrm>
-          <a:prstGeom prst="star5">
-            <a:avLst>
-              <a:gd name="adj" fmla="val 26693"/>
-              <a:gd name="hf" fmla="val 105146"/>
-              <a:gd name="vf" fmla="val 110557"/>
-            </a:avLst>
-          </a:prstGeom>
-          <a:solidFill>
-            <a:schemeClr val="tx1">
-              <a:alpha val="40000"/>
-            </a:schemeClr>
-          </a:solidFill>
-          <a:ln>
-            <a:noFill/>
-          </a:ln>
-        </p:spPr>
-        <p:style>
-          <a:lnRef idx="1">
-            <a:schemeClr val="accent1"/>
-          </a:lnRef>
-          <a:fillRef idx="3">
-            <a:schemeClr val="accent1"/>
-          </a:fillRef>
-          <a:effectRef idx="2">
-            <a:schemeClr val="accent1"/>
-          </a:effectRef>
-          <a:fontRef idx="minor">
-            <a:schemeClr val="lt1"/>
-          </a:fontRef>
-        </p:style>
-      </p:sp>
     </p:spTree>
     <p:extLst>
       <p:ext uri="{BB962C8B-B14F-4D97-AF65-F5344CB8AC3E}">
-        <p14:creationId xmlns:p14="http://schemas.microsoft.com/office/powerpoint/2010/main" val="4224069"/>
+        <p14:creationId xmlns:p14="http://schemas.microsoft.com/office/powerpoint/2010/main" val="1741311471"/>
+      </p:ext>
+    </p:extLst>
+  </p:cSld>
+  <p:clrMapOvr>
+    <a:overrideClrMapping bg1="dk1" tx1="lt1" bg2="dk2" tx2="lt2" accent1="accent1" accent2="accent2" accent3="accent3" accent4="accent4" accent5="accent5" accent6="accent6" hlink="hlink" folHlink="folHlink"/>
+  </p:clrMapOvr>
+</p:sldLayout>
+</file>
+
+<file path=ppt/slideLayouts/slideLayout10.xml><?xml version="1.0" encoding="utf-8"?>
+<p:sldLayout xmlns:a="http://schemas.openxmlformats.org/drawingml/2006/main" xmlns:r="http://schemas.openxmlformats.org/officeDocument/2006/relationships" xmlns:p="http://schemas.openxmlformats.org/presentationml/2006/main" type="vertTx" preserve="1">
+  <p:cSld name="Title and Vertical Text">
+    <p:spTree>
+      <p:nvGrpSpPr>
+        <p:cNvPr id="1" name=""/>
+        <p:cNvGrpSpPr/>
+        <p:nvPr/>
+      </p:nvGrpSpPr>
+      <p:grpSpPr>
+        <a:xfrm>
+          <a:off x="0" y="0"/>
+          <a:ext cx="0" cy="0"/>
+          <a:chOff x="0" y="0"/>
+          <a:chExt cx="0" cy="0"/>
+        </a:xfrm>
+      </p:grpSpPr>
+      <p:sp>
+        <p:nvSpPr>
+          <p:cNvPr id="2" name="Title 1"/>
+          <p:cNvSpPr>
+            <a:spLocks noGrp="1"/>
+          </p:cNvSpPr>
+          <p:nvPr>
+            <p:ph type="title"/>
+          </p:nvPr>
+        </p:nvSpPr>
+        <p:spPr/>
+        <p:txBody>
+          <a:bodyPr/>
+          <a:lstStyle/>
+          <a:p>
+            <a:r>
+              <a:rPr lang="en-US" smtClean="0"/>
+              <a:t>Click to edit Master title style</a:t>
+            </a:r>
+            <a:endParaRPr lang="en-US" dirty="0"/>
+          </a:p>
+        </p:txBody>
+      </p:sp>
+      <p:sp>
+        <p:nvSpPr>
+          <p:cNvPr id="3" name="Vertical Text Placeholder 2"/>
+          <p:cNvSpPr>
+            <a:spLocks noGrp="1"/>
+          </p:cNvSpPr>
+          <p:nvPr>
+            <p:ph type="body" orient="vert" idx="1"/>
+          </p:nvPr>
+        </p:nvSpPr>
+        <p:spPr/>
+        <p:txBody>
+          <a:bodyPr vert="eaVert"/>
+          <a:lstStyle/>
+          <a:p>
+            <a:pPr lvl="0"/>
+            <a:r>
+              <a:rPr lang="en-US" smtClean="0"/>
+              <a:t>Edit Master text styles</a:t>
+            </a:r>
+          </a:p>
+          <a:p>
+            <a:pPr lvl="1"/>
+            <a:r>
+              <a:rPr lang="en-US" smtClean="0"/>
+              <a:t>Second level</a:t>
+            </a:r>
+          </a:p>
+          <a:p>
+            <a:pPr lvl="2"/>
+            <a:r>
+              <a:rPr lang="en-US" smtClean="0"/>
+              <a:t>Third level</a:t>
+            </a:r>
+          </a:p>
+          <a:p>
+            <a:pPr lvl="3"/>
+            <a:r>
+              <a:rPr lang="en-US" smtClean="0"/>
+              <a:t>Fourth level</a:t>
+            </a:r>
+          </a:p>
+          <a:p>
+            <a:pPr lvl="4"/>
+            <a:r>
+              <a:rPr lang="en-US" smtClean="0"/>
+              <a:t>Fifth level</a:t>
+            </a:r>
+            <a:endParaRPr lang="en-US" dirty="0"/>
+          </a:p>
+        </p:txBody>
+      </p:sp>
+      <p:sp>
+        <p:nvSpPr>
+          <p:cNvPr id="4" name="Date Placeholder 3"/>
+          <p:cNvSpPr>
+            <a:spLocks noGrp="1"/>
+          </p:cNvSpPr>
+          <p:nvPr>
+            <p:ph type="dt" sz="half" idx="10"/>
+          </p:nvPr>
+        </p:nvSpPr>
+        <p:spPr/>
+        <p:txBody>
+          <a:bodyPr/>
+          <a:lstStyle/>
+          <a:p>
+            <a:fld id="{241EB5C9-1307-BA42-ABA2-0BC069CD8E7F}" type="datetimeFigureOut">
+              <a:rPr lang="en-US" smtClean="0"/>
+              <a:t>7/13/2021</a:t>
+            </a:fld>
+            <a:endParaRPr lang="en-US" dirty="0"/>
+          </a:p>
+        </p:txBody>
+      </p:sp>
+      <p:sp>
+        <p:nvSpPr>
+          <p:cNvPr id="5" name="Footer Placeholder 4"/>
+          <p:cNvSpPr>
+            <a:spLocks noGrp="1"/>
+          </p:cNvSpPr>
+          <p:nvPr>
+            <p:ph type="ftr" sz="quarter" idx="11"/>
+          </p:nvPr>
+        </p:nvSpPr>
+        <p:spPr/>
+        <p:txBody>
+          <a:bodyPr/>
+          <a:lstStyle/>
+          <a:p>
+            <a:endParaRPr lang="en-US" dirty="0"/>
+          </a:p>
+        </p:txBody>
+      </p:sp>
+      <p:sp>
+        <p:nvSpPr>
+          <p:cNvPr id="6" name="Slide Number Placeholder 5"/>
+          <p:cNvSpPr>
+            <a:spLocks noGrp="1"/>
+          </p:cNvSpPr>
+          <p:nvPr>
+            <p:ph type="sldNum" sz="quarter" idx="12"/>
+          </p:nvPr>
+        </p:nvSpPr>
+        <p:spPr/>
+        <p:txBody>
+          <a:bodyPr/>
+          <a:lstStyle/>
+          <a:p>
+            <a:fld id="{C5EF2332-01BF-834F-8236-50238282D533}" type="slidenum">
+              <a:rPr lang="en-US" smtClean="0"/>
+              <a:t>‹#›</a:t>
+            </a:fld>
+            <a:endParaRPr lang="en-US" dirty="0"/>
+          </a:p>
+        </p:txBody>
+      </p:sp>
+    </p:spTree>
+    <p:extLst>
+      <p:ext uri="{BB962C8B-B14F-4D97-AF65-F5344CB8AC3E}">
+        <p14:creationId xmlns:p14="http://schemas.microsoft.com/office/powerpoint/2010/main" val="3441432946"/>
+      </p:ext>
+    </p:extLst>
+  </p:cSld>
+  <p:clrMapOvr>
+    <a:masterClrMapping/>
+  </p:clrMapOvr>
+</p:sldLayout>
+</file>
+
+<file path=ppt/slideLayouts/slideLayout11.xml><?xml version="1.0" encoding="utf-8"?>
+<p:sldLayout xmlns:a="http://schemas.openxmlformats.org/drawingml/2006/main" xmlns:r="http://schemas.openxmlformats.org/officeDocument/2006/relationships" xmlns:p="http://schemas.openxmlformats.org/presentationml/2006/main" type="vertTitleAndTx" preserve="1">
+  <p:cSld name="Vertical Title and Text">
+    <p:spTree>
+      <p:nvGrpSpPr>
+        <p:cNvPr id="1" name=""/>
+        <p:cNvGrpSpPr/>
+        <p:nvPr/>
+      </p:nvGrpSpPr>
+      <p:grpSpPr>
+        <a:xfrm>
+          <a:off x="0" y="0"/>
+          <a:ext cx="0" cy="0"/>
+          <a:chOff x="0" y="0"/>
+          <a:chExt cx="0" cy="0"/>
+        </a:xfrm>
+      </p:grpSpPr>
+      <p:sp>
+        <p:nvSpPr>
+          <p:cNvPr id="2" name="Vertical Title 1"/>
+          <p:cNvSpPr>
+            <a:spLocks noGrp="1"/>
+          </p:cNvSpPr>
+          <p:nvPr>
+            <p:ph type="title" orient="vert"/>
+          </p:nvPr>
+        </p:nvSpPr>
+        <p:spPr>
+          <a:xfrm>
+            <a:off x="6489834" y="937260"/>
+            <a:ext cx="1053966" cy="4983480"/>
+          </a:xfrm>
+        </p:spPr>
+        <p:txBody>
+          <a:bodyPr vert="eaVert"/>
+          <a:lstStyle/>
+          <a:p>
+            <a:r>
+              <a:rPr lang="en-US" smtClean="0"/>
+              <a:t>Click to edit Master title style</a:t>
+            </a:r>
+            <a:endParaRPr lang="en-US" dirty="0"/>
+          </a:p>
+        </p:txBody>
+      </p:sp>
+      <p:sp>
+        <p:nvSpPr>
+          <p:cNvPr id="3" name="Vertical Text Placeholder 2"/>
+          <p:cNvSpPr>
+            <a:spLocks noGrp="1"/>
+          </p:cNvSpPr>
+          <p:nvPr>
+            <p:ph type="body" orient="vert" idx="1"/>
+          </p:nvPr>
+        </p:nvSpPr>
+        <p:spPr>
+          <a:xfrm>
+            <a:off x="1606046" y="937260"/>
+            <a:ext cx="4716174" cy="4983480"/>
+          </a:xfrm>
+        </p:spPr>
+        <p:txBody>
+          <a:bodyPr vert="eaVert"/>
+          <a:lstStyle/>
+          <a:p>
+            <a:pPr lvl="0"/>
+            <a:r>
+              <a:rPr lang="en-US" smtClean="0"/>
+              <a:t>Edit Master text styles</a:t>
+            </a:r>
+          </a:p>
+          <a:p>
+            <a:pPr lvl="1"/>
+            <a:r>
+              <a:rPr lang="en-US" smtClean="0"/>
+              <a:t>Second level</a:t>
+            </a:r>
+          </a:p>
+          <a:p>
+            <a:pPr lvl="2"/>
+            <a:r>
+              <a:rPr lang="en-US" smtClean="0"/>
+              <a:t>Third level</a:t>
+            </a:r>
+          </a:p>
+          <a:p>
+            <a:pPr lvl="3"/>
+            <a:r>
+              <a:rPr lang="en-US" smtClean="0"/>
+              <a:t>Fourth level</a:t>
+            </a:r>
+          </a:p>
+          <a:p>
+            <a:pPr lvl="4"/>
+            <a:r>
+              <a:rPr lang="en-US" smtClean="0"/>
+              <a:t>Fifth level</a:t>
+            </a:r>
+            <a:endParaRPr lang="en-US" dirty="0"/>
+          </a:p>
+        </p:txBody>
+      </p:sp>
+      <p:sp>
+        <p:nvSpPr>
+          <p:cNvPr id="4" name="Date Placeholder 3"/>
+          <p:cNvSpPr>
+            <a:spLocks noGrp="1"/>
+          </p:cNvSpPr>
+          <p:nvPr>
+            <p:ph type="dt" sz="half" idx="10"/>
+          </p:nvPr>
+        </p:nvSpPr>
+        <p:spPr/>
+        <p:txBody>
+          <a:bodyPr/>
+          <a:lstStyle/>
+          <a:p>
+            <a:fld id="{241EB5C9-1307-BA42-ABA2-0BC069CD8E7F}" type="datetimeFigureOut">
+              <a:rPr lang="en-US" smtClean="0"/>
+              <a:t>7/13/2021</a:t>
+            </a:fld>
+            <a:endParaRPr lang="en-US" dirty="0"/>
+          </a:p>
+        </p:txBody>
+      </p:sp>
+      <p:sp>
+        <p:nvSpPr>
+          <p:cNvPr id="5" name="Footer Placeholder 4"/>
+          <p:cNvSpPr>
+            <a:spLocks noGrp="1"/>
+          </p:cNvSpPr>
+          <p:nvPr>
+            <p:ph type="ftr" sz="quarter" idx="11"/>
+          </p:nvPr>
+        </p:nvSpPr>
+        <p:spPr/>
+        <p:txBody>
+          <a:bodyPr/>
+          <a:lstStyle/>
+          <a:p>
+            <a:endParaRPr lang="en-US" dirty="0"/>
+          </a:p>
+        </p:txBody>
+      </p:sp>
+      <p:sp>
+        <p:nvSpPr>
+          <p:cNvPr id="6" name="Slide Number Placeholder 5"/>
+          <p:cNvSpPr>
+            <a:spLocks noGrp="1"/>
+          </p:cNvSpPr>
+          <p:nvPr>
+            <p:ph type="sldNum" sz="quarter" idx="12"/>
+          </p:nvPr>
+        </p:nvSpPr>
+        <p:spPr/>
+        <p:txBody>
+          <a:bodyPr/>
+          <a:lstStyle/>
+          <a:p>
+            <a:fld id="{C5EF2332-01BF-834F-8236-50238282D533}" type="slidenum">
+              <a:rPr lang="en-US" smtClean="0"/>
+              <a:t>‹#›</a:t>
+            </a:fld>
+            <a:endParaRPr lang="en-US" dirty="0"/>
+          </a:p>
+        </p:txBody>
+      </p:sp>
+    </p:spTree>
+    <p:extLst>
+      <p:ext uri="{BB962C8B-B14F-4D97-AF65-F5344CB8AC3E}">
+        <p14:creationId xmlns:p14="http://schemas.microsoft.com/office/powerpoint/2010/main" val="1089019839"/>
       </p:ext>
     </p:extLst>
   </p:cSld>
@@ -749,20 +744,15 @@
       </p:sp>
       <p:sp>
         <p:nvSpPr>
-          <p:cNvPr id="12" name="Content Placeholder 2"/>
-          <p:cNvSpPr>
-            <a:spLocks noGrp="1"/>
-          </p:cNvSpPr>
-          <p:nvPr>
-            <p:ph sz="quarter" idx="13"/>
-          </p:nvPr>
-        </p:nvSpPr>
-        <p:spPr>
-          <a:xfrm>
-            <a:off x="514351" y="2063396"/>
-            <a:ext cx="7796030" cy="3311189"/>
-          </a:xfrm>
-        </p:spPr>
+          <p:cNvPr id="3" name="Content Placeholder 2"/>
+          <p:cNvSpPr>
+            <a:spLocks noGrp="1"/>
+          </p:cNvSpPr>
+          <p:nvPr>
+            <p:ph idx="1"/>
+          </p:nvPr>
+        </p:nvSpPr>
+        <p:spPr/>
         <p:txBody>
           <a:bodyPr/>
           <a:lstStyle/>
@@ -806,7 +796,7 @@
       </p:sp>
       <p:sp>
         <p:nvSpPr>
-          <p:cNvPr id="4" name="Date Placeholder 3"/>
+          <p:cNvPr id="7" name="Date Placeholder 6"/>
           <p:cNvSpPr>
             <a:spLocks noGrp="1"/>
           </p:cNvSpPr>
@@ -821,7 +811,7 @@
           <a:p>
             <a:fld id="{241EB5C9-1307-BA42-ABA2-0BC069CD8E7F}" type="datetimeFigureOut">
               <a:rPr lang="en-US" smtClean="0"/>
-              <a:t>7/13/2020</a:t>
+              <a:t>7/13/2021</a:t>
             </a:fld>
             <a:endParaRPr lang="en-US"/>
           </a:p>
@@ -829,7 +819,7 @@
       </p:sp>
       <p:sp>
         <p:nvSpPr>
-          <p:cNvPr id="5" name="Footer Placeholder 4"/>
+          <p:cNvPr id="8" name="Footer Placeholder 7"/>
           <p:cNvSpPr>
             <a:spLocks noGrp="1"/>
           </p:cNvSpPr>
@@ -848,7 +838,7 @@
       </p:sp>
       <p:sp>
         <p:nvSpPr>
-          <p:cNvPr id="6" name="Slide Number Placeholder 5"/>
+          <p:cNvPr id="9" name="Slide Number Placeholder 8"/>
           <p:cNvSpPr>
             <a:spLocks noGrp="1"/>
           </p:cNvSpPr>
@@ -872,7 +862,7 @@
     </p:spTree>
     <p:extLst>
       <p:ext uri="{BB962C8B-B14F-4D97-AF65-F5344CB8AC3E}">
-        <p14:creationId xmlns:p14="http://schemas.microsoft.com/office/powerpoint/2010/main" val="1569019092"/>
+        <p14:creationId xmlns:p14="http://schemas.microsoft.com/office/powerpoint/2010/main" val="2153356274"/>
       </p:ext>
     </p:extLst>
   </p:cSld>
@@ -885,6 +875,14 @@
 <file path=ppt/slideLayouts/slideLayout3.xml><?xml version="1.0" encoding="utf-8"?>
 <p:sldLayout xmlns:a="http://schemas.openxmlformats.org/drawingml/2006/main" xmlns:r="http://schemas.openxmlformats.org/officeDocument/2006/relationships" xmlns:p="http://schemas.openxmlformats.org/presentationml/2006/main" type="secHead" preserve="1">
   <p:cSld name="Section Header">
+    <p:bg>
+      <p:bgPr>
+        <a:solidFill>
+          <a:schemeClr val="accent1"/>
+        </a:solidFill>
+        <a:effectLst/>
+      </p:bgPr>
+    </p:bg>
     <p:spTree>
       <p:nvGrpSpPr>
         <p:cNvPr id="1" name=""/>
@@ -909,19 +907,31 @@
             <p:ph type="title"/>
           </p:nvPr>
         </p:nvSpPr>
-        <p:spPr>
+        <p:spPr bwMode="blackWhite">
           <a:xfrm>
-            <a:off x="514351" y="685801"/>
-            <a:ext cx="7796030" cy="3193487"/>
+            <a:off x="1106424" y="2386744"/>
+            <a:ext cx="6940296" cy="1645920"/>
           </a:xfrm>
+          <a:solidFill>
+            <a:srgbClr val="FFFFFF"/>
+          </a:solidFill>
+          <a:ln w="38100">
+            <a:solidFill>
+              <a:srgbClr val="404040"/>
+            </a:solidFill>
+          </a:ln>
         </p:spPr>
         <p:txBody>
-          <a:bodyPr anchor="b">
+          <a:bodyPr lIns="274320" rIns="274320" anchor="ctr" anchorCtr="1">
             <a:normAutofit/>
           </a:bodyPr>
           <a:lstStyle>
-            <a:lvl1pPr algn="l">
-              <a:defRPr sz="5400"/>
+            <a:lvl1pPr>
+              <a:defRPr sz="3500">
+                <a:solidFill>
+                  <a:srgbClr val="262626"/>
+                </a:solidFill>
+              </a:defRPr>
             </a:lvl1pPr>
           </a:lstStyle>
           <a:p>
@@ -945,28 +955,26 @@
         </p:nvSpPr>
         <p:spPr>
           <a:xfrm>
-            <a:off x="514351" y="3742267"/>
-            <a:ext cx="7796030" cy="1639614"/>
+            <a:off x="2021396" y="4352465"/>
+            <a:ext cx="5101209" cy="1265082"/>
           </a:xfrm>
         </p:spPr>
         <p:txBody>
-          <a:bodyPr anchor="t">
+          <a:bodyPr anchor="t" anchorCtr="1">
             <a:normAutofit/>
           </a:bodyPr>
           <a:lstStyle>
-            <a:lvl1pPr marL="0" indent="0" algn="l">
-              <a:buNone/>
-              <a:defRPr sz="2000">
+            <a:lvl1pPr marL="0" indent="0">
+              <a:buNone/>
+              <a:defRPr sz="1900">
                 <a:solidFill>
-                  <a:schemeClr val="bg1">
-                    <a:lumMod val="50000"/>
-                  </a:schemeClr>
+                  <a:schemeClr val="tx1"/>
                 </a:solidFill>
               </a:defRPr>
             </a:lvl1pPr>
             <a:lvl2pPr marL="457200" indent="0">
               <a:buNone/>
-              <a:defRPr sz="2000">
+              <a:defRPr sz="1900">
                 <a:solidFill>
                   <a:schemeClr val="tx1">
                     <a:tint val="75000"/>
@@ -1056,7 +1064,7 @@
       </p:sp>
       <p:sp>
         <p:nvSpPr>
-          <p:cNvPr id="4" name="Date Placeholder 3"/>
+          <p:cNvPr id="7" name="Date Placeholder 6"/>
           <p:cNvSpPr>
             <a:spLocks noGrp="1"/>
           </p:cNvSpPr>
@@ -1071,7 +1079,7 @@
           <a:p>
             <a:fld id="{241EB5C9-1307-BA42-ABA2-0BC069CD8E7F}" type="datetimeFigureOut">
               <a:rPr lang="en-US" smtClean="0"/>
-              <a:t>7/13/2020</a:t>
+              <a:t>7/13/2021</a:t>
             </a:fld>
             <a:endParaRPr lang="en-US"/>
           </a:p>
@@ -1079,7 +1087,7 @@
       </p:sp>
       <p:sp>
         <p:nvSpPr>
-          <p:cNvPr id="5" name="Footer Placeholder 4"/>
+          <p:cNvPr id="8" name="Footer Placeholder 7"/>
           <p:cNvSpPr>
             <a:spLocks noGrp="1"/>
           </p:cNvSpPr>
@@ -1098,7 +1106,7 @@
       </p:sp>
       <p:sp>
         <p:nvSpPr>
-          <p:cNvPr id="6" name="Slide Number Placeholder 5"/>
+          <p:cNvPr id="9" name="Slide Number Placeholder 8"/>
           <p:cNvSpPr>
             <a:spLocks noGrp="1"/>
           </p:cNvSpPr>
@@ -1122,12 +1130,12 @@
     </p:spTree>
     <p:extLst>
       <p:ext uri="{BB962C8B-B14F-4D97-AF65-F5344CB8AC3E}">
-        <p14:creationId xmlns:p14="http://schemas.microsoft.com/office/powerpoint/2010/main" val="755178394"/>
+        <p14:creationId xmlns:p14="http://schemas.microsoft.com/office/powerpoint/2010/main" val="3669432853"/>
       </p:ext>
     </p:extLst>
   </p:cSld>
   <p:clrMapOvr>
-    <a:masterClrMapping/>
+    <a:overrideClrMapping bg1="dk1" tx1="lt1" bg2="dk2" tx2="lt2" accent1="accent1" accent2="accent2" accent3="accent3" accent4="accent4" accent5="accent5" accent6="accent6" hlink="hlink" folHlink="folHlink"/>
   </p:clrMapOvr>
 </p:sldLayout>
 </file>
@@ -1151,50 +1159,102 @@
       </p:grpSpPr>
       <p:sp>
         <p:nvSpPr>
-          <p:cNvPr id="14" name="Title 1"/>
+          <p:cNvPr id="2" name="Title 1"/>
           <p:cNvSpPr>
             <a:spLocks noGrp="1"/>
           </p:cNvSpPr>
           <p:nvPr>
             <p:ph type="title"/>
+          </p:nvPr>
+        </p:nvSpPr>
+        <p:spPr/>
+        <p:txBody>
+          <a:bodyPr/>
+          <a:lstStyle/>
+          <a:p>
+            <a:r>
+              <a:rPr lang="en-US" smtClean="0"/>
+              <a:t>Click to edit Master title style</a:t>
+            </a:r>
+            <a:endParaRPr lang="en-US" dirty="0"/>
+          </a:p>
+        </p:txBody>
+      </p:sp>
+      <p:sp>
+        <p:nvSpPr>
+          <p:cNvPr id="3" name="Content Placeholder 2"/>
+          <p:cNvSpPr>
+            <a:spLocks noGrp="1"/>
+          </p:cNvSpPr>
+          <p:nvPr>
+            <p:ph sz="half" idx="1"/>
           </p:nvPr>
         </p:nvSpPr>
         <p:spPr>
           <a:xfrm>
-            <a:off x="1956391" y="685800"/>
-            <a:ext cx="6355622" cy="1158140"/>
+            <a:off x="1102239" y="2638044"/>
+            <a:ext cx="3288023" cy="3101982"/>
           </a:xfrm>
         </p:spPr>
         <p:txBody>
           <a:bodyPr/>
           <a:lstStyle/>
           <a:p>
-            <a:r>
-              <a:rPr lang="en-US" dirty="0" smtClean="0"/>
-              <a:t>Click to edit Master title style</a:t>
-            </a:r>
-            <a:endParaRPr lang="en-US" dirty="0"/>
-          </a:p>
-        </p:txBody>
-      </p:sp>
-      <p:sp>
-        <p:nvSpPr>
-          <p:cNvPr id="12" name="Content Placeholder 2"/>
-          <p:cNvSpPr>
-            <a:spLocks noGrp="1"/>
-          </p:cNvSpPr>
-          <p:nvPr>
-            <p:ph sz="quarter" idx="13"/>
+            <a:pPr lvl="0"/>
+            <a:r>
+              <a:rPr lang="en-US" smtClean="0"/>
+              <a:t>Edit Master text styles</a:t>
+            </a:r>
+          </a:p>
+          <a:p>
+            <a:pPr lvl="1"/>
+            <a:r>
+              <a:rPr lang="en-US" smtClean="0"/>
+              <a:t>Second level</a:t>
+            </a:r>
+          </a:p>
+          <a:p>
+            <a:pPr lvl="2"/>
+            <a:r>
+              <a:rPr lang="en-US" smtClean="0"/>
+              <a:t>Third level</a:t>
+            </a:r>
+          </a:p>
+          <a:p>
+            <a:pPr lvl="3"/>
+            <a:r>
+              <a:rPr lang="en-US" smtClean="0"/>
+              <a:t>Fourth level</a:t>
+            </a:r>
+          </a:p>
+          <a:p>
+            <a:pPr lvl="4"/>
+            <a:r>
+              <a:rPr lang="en-US" smtClean="0"/>
+              <a:t>Fifth level</a:t>
+            </a:r>
+            <a:endParaRPr lang="en-US" dirty="0"/>
+          </a:p>
+        </p:txBody>
+      </p:sp>
+      <p:sp>
+        <p:nvSpPr>
+          <p:cNvPr id="4" name="Content Placeholder 3"/>
+          <p:cNvSpPr>
+            <a:spLocks noGrp="1"/>
+          </p:cNvSpPr>
+          <p:nvPr>
+            <p:ph sz="half" idx="2"/>
           </p:nvPr>
         </p:nvSpPr>
         <p:spPr>
           <a:xfrm>
-            <a:off x="514350" y="2063396"/>
-            <a:ext cx="3816536" cy="3311189"/>
+            <a:off x="4753737" y="2638044"/>
+            <a:ext cx="3290516" cy="3101982"/>
           </a:xfrm>
         </p:spPr>
         <p:txBody>
-          <a:bodyPr anchor="t"/>
+          <a:bodyPr/>
           <a:lstStyle/>
           <a:p>
             <a:pPr lvl="0"/>
@@ -1236,64 +1296,7 @@
       </p:sp>
       <p:sp>
         <p:nvSpPr>
-          <p:cNvPr id="13" name="Content Placeholder 3"/>
-          <p:cNvSpPr>
-            <a:spLocks noGrp="1"/>
-          </p:cNvSpPr>
-          <p:nvPr>
-            <p:ph sz="quarter" idx="14"/>
-          </p:nvPr>
-        </p:nvSpPr>
-        <p:spPr>
-          <a:xfrm>
-            <a:off x="4495478" y="2063396"/>
-            <a:ext cx="3814904" cy="3311189"/>
-          </a:xfrm>
-        </p:spPr>
-        <p:txBody>
-          <a:bodyPr anchor="t"/>
-          <a:lstStyle/>
-          <a:p>
-            <a:pPr lvl="0"/>
-            <a:r>
-              <a:rPr lang="en-US" smtClean="0"/>
-              <a:t>Edit Master text styles</a:t>
-            </a:r>
-          </a:p>
-          <a:p>
-            <a:pPr lvl="1"/>
-            <a:r>
-              <a:rPr lang="en-US" smtClean="0"/>
-              <a:t>Second level</a:t>
-            </a:r>
-          </a:p>
-          <a:p>
-            <a:pPr lvl="2"/>
-            <a:r>
-              <a:rPr lang="en-US" smtClean="0"/>
-              <a:t>Third level</a:t>
-            </a:r>
-          </a:p>
-          <a:p>
-            <a:pPr lvl="3"/>
-            <a:r>
-              <a:rPr lang="en-US" smtClean="0"/>
-              <a:t>Fourth level</a:t>
-            </a:r>
-          </a:p>
-          <a:p>
-            <a:pPr lvl="4"/>
-            <a:r>
-              <a:rPr lang="en-US" smtClean="0"/>
-              <a:t>Fifth level</a:t>
-            </a:r>
-            <a:endParaRPr lang="en-US" dirty="0"/>
-          </a:p>
-        </p:txBody>
-      </p:sp>
-      <p:sp>
-        <p:nvSpPr>
-          <p:cNvPr id="5" name="Date Placeholder 4"/>
+          <p:cNvPr id="8" name="Date Placeholder 7"/>
           <p:cNvSpPr>
             <a:spLocks noGrp="1"/>
           </p:cNvSpPr>
@@ -1308,15 +1311,15 @@
           <a:p>
             <a:fld id="{241EB5C9-1307-BA42-ABA2-0BC069CD8E7F}" type="datetimeFigureOut">
               <a:rPr lang="en-US" smtClean="0"/>
-              <a:t>7/13/2020</a:t>
+              <a:t>7/13/2021</a:t>
             </a:fld>
-            <a:endParaRPr lang="en-US"/>
-          </a:p>
-        </p:txBody>
-      </p:sp>
-      <p:sp>
-        <p:nvSpPr>
-          <p:cNvPr id="6" name="Footer Placeholder 5"/>
+            <a:endParaRPr lang="en-US" dirty="0"/>
+          </a:p>
+        </p:txBody>
+      </p:sp>
+      <p:sp>
+        <p:nvSpPr>
+          <p:cNvPr id="9" name="Footer Placeholder 8"/>
           <p:cNvSpPr>
             <a:spLocks noGrp="1"/>
           </p:cNvSpPr>
@@ -1329,13 +1332,13 @@
           <a:bodyPr/>
           <a:lstStyle/>
           <a:p>
-            <a:endParaRPr lang="en-US"/>
-          </a:p>
-        </p:txBody>
-      </p:sp>
-      <p:sp>
-        <p:nvSpPr>
-          <p:cNvPr id="7" name="Slide Number Placeholder 6"/>
+            <a:endParaRPr lang="en-US" dirty="0"/>
+          </a:p>
+        </p:txBody>
+      </p:sp>
+      <p:sp>
+        <p:nvSpPr>
+          <p:cNvPr id="10" name="Slide Number Placeholder 9"/>
           <p:cNvSpPr>
             <a:spLocks noGrp="1"/>
           </p:cNvSpPr>
@@ -1352,14 +1355,14 @@
               <a:rPr lang="en-US" smtClean="0"/>
               <a:t>‹#›</a:t>
             </a:fld>
-            <a:endParaRPr lang="en-US"/>
+            <a:endParaRPr lang="en-US" dirty="0"/>
           </a:p>
         </p:txBody>
       </p:sp>
     </p:spTree>
     <p:extLst>
       <p:ext uri="{BB962C8B-B14F-4D97-AF65-F5344CB8AC3E}">
-        <p14:creationId xmlns:p14="http://schemas.microsoft.com/office/powerpoint/2010/main" val="917512307"/>
+        <p14:creationId xmlns:p14="http://schemas.microsoft.com/office/powerpoint/2010/main" val="3661791028"/>
       </p:ext>
     </p:extLst>
   </p:cSld>
@@ -1388,67 +1391,38 @@
       </p:grpSpPr>
       <p:sp>
         <p:nvSpPr>
-          <p:cNvPr id="14" name="Title 1"/>
-          <p:cNvSpPr>
-            <a:spLocks noGrp="1"/>
-          </p:cNvSpPr>
-          <p:nvPr>
-            <p:ph type="title"/>
+          <p:cNvPr id="3" name="Text Placeholder 2"/>
+          <p:cNvSpPr>
+            <a:spLocks noGrp="1"/>
+          </p:cNvSpPr>
+          <p:nvPr>
+            <p:ph type="body" idx="1"/>
           </p:nvPr>
         </p:nvSpPr>
         <p:spPr>
           <a:xfrm>
-            <a:off x="1961707" y="685800"/>
-            <a:ext cx="6348674" cy="1158140"/>
+            <a:off x="1102239" y="2313434"/>
+            <a:ext cx="3288024" cy="704087"/>
           </a:xfrm>
         </p:spPr>
         <p:txBody>
-          <a:bodyPr/>
-          <a:lstStyle/>
-          <a:p>
-            <a:r>
-              <a:rPr lang="en-US" dirty="0" smtClean="0"/>
-              <a:t>Click to edit Master title style</a:t>
-            </a:r>
-            <a:endParaRPr lang="en-US" dirty="0"/>
-          </a:p>
-        </p:txBody>
-      </p:sp>
-      <p:sp>
-        <p:nvSpPr>
-          <p:cNvPr id="3" name="Text Placeholder 2"/>
-          <p:cNvSpPr>
-            <a:spLocks noGrp="1"/>
-          </p:cNvSpPr>
-          <p:nvPr>
-            <p:ph type="body" idx="1"/>
-          </p:nvPr>
-        </p:nvSpPr>
-        <p:spPr>
-          <a:xfrm>
-            <a:off x="739569" y="2063396"/>
-            <a:ext cx="3591317" cy="679994"/>
-          </a:xfrm>
-        </p:spPr>
-        <p:txBody>
-          <a:bodyPr anchor="b">
-            <a:noAutofit/>
+          <a:bodyPr anchor="b" anchorCtr="1">
+            <a:normAutofit/>
           </a:bodyPr>
           <a:lstStyle>
-            <a:lvl1pPr marL="0" indent="0">
-              <a:lnSpc>
-                <a:spcPct val="90000"/>
-              </a:lnSpc>
-              <a:buNone/>
-              <a:defRPr sz="2600" b="0">
+            <a:lvl1pPr marL="0" indent="0" algn="ctr">
+              <a:buNone/>
+              <a:defRPr sz="1900" b="0" cap="all" spc="100" baseline="0">
                 <a:solidFill>
-                  <a:schemeClr val="accent1"/>
+                  <a:schemeClr val="accent2">
+                    <a:lumMod val="75000"/>
+                  </a:schemeClr>
                 </a:solidFill>
               </a:defRPr>
             </a:lvl1pPr>
             <a:lvl2pPr marL="457200" indent="0">
               <a:buNone/>
-              <a:defRPr sz="2000" b="1"/>
+              <a:defRPr sz="1900" b="1"/>
             </a:lvl2pPr>
             <a:lvl3pPr marL="914400" indent="0">
               <a:buNone/>
@@ -1490,22 +1464,22 @@
       </p:sp>
       <p:sp>
         <p:nvSpPr>
-          <p:cNvPr id="12" name="Content Placeholder 3"/>
-          <p:cNvSpPr>
-            <a:spLocks noGrp="1"/>
-          </p:cNvSpPr>
-          <p:nvPr>
-            <p:ph sz="quarter" idx="13"/>
+          <p:cNvPr id="4" name="Content Placeholder 3"/>
+          <p:cNvSpPr>
+            <a:spLocks noGrp="1"/>
+          </p:cNvSpPr>
+          <p:nvPr>
+            <p:ph sz="half" idx="2"/>
           </p:nvPr>
         </p:nvSpPr>
         <p:spPr>
           <a:xfrm>
-            <a:off x="514352" y="2861733"/>
-            <a:ext cx="3816534" cy="2512852"/>
+            <a:off x="1102239" y="3143250"/>
+            <a:ext cx="3288024" cy="2596776"/>
           </a:xfrm>
         </p:spPr>
         <p:txBody>
-          <a:bodyPr anchor="t"/>
+          <a:bodyPr/>
           <a:lstStyle/>
           <a:p>
             <a:pPr lvl="0"/>
@@ -1547,39 +1521,99 @@
       </p:sp>
       <p:sp>
         <p:nvSpPr>
-          <p:cNvPr id="5" name="Text Placeholder 4"/>
-          <p:cNvSpPr>
-            <a:spLocks noGrp="1"/>
-          </p:cNvSpPr>
-          <p:nvPr>
-            <p:ph type="body" sz="quarter" idx="3"/>
+          <p:cNvPr id="6" name="Content Placeholder 5"/>
+          <p:cNvSpPr>
+            <a:spLocks noGrp="1"/>
+          </p:cNvSpPr>
+          <p:nvPr>
+            <p:ph sz="quarter" idx="4"/>
           </p:nvPr>
         </p:nvSpPr>
         <p:spPr>
           <a:xfrm>
-            <a:off x="4715340" y="2063396"/>
-            <a:ext cx="3596671" cy="679994"/>
+            <a:off x="4753737" y="3143250"/>
+            <a:ext cx="3290516" cy="2596776"/>
           </a:xfrm>
         </p:spPr>
         <p:txBody>
-          <a:bodyPr anchor="b">
-            <a:noAutofit/>
+          <a:bodyPr/>
+          <a:lstStyle>
+            <a:lvl5pPr>
+              <a:defRPr/>
+            </a:lvl5pPr>
+          </a:lstStyle>
+          <a:p>
+            <a:pPr lvl="0"/>
+            <a:r>
+              <a:rPr lang="en-US" smtClean="0"/>
+              <a:t>Edit Master text styles</a:t>
+            </a:r>
+          </a:p>
+          <a:p>
+            <a:pPr lvl="1"/>
+            <a:r>
+              <a:rPr lang="en-US" smtClean="0"/>
+              <a:t>Second level</a:t>
+            </a:r>
+          </a:p>
+          <a:p>
+            <a:pPr lvl="2"/>
+            <a:r>
+              <a:rPr lang="en-US" smtClean="0"/>
+              <a:t>Third level</a:t>
+            </a:r>
+          </a:p>
+          <a:p>
+            <a:pPr lvl="3"/>
+            <a:r>
+              <a:rPr lang="en-US" smtClean="0"/>
+              <a:t>Fourth level</a:t>
+            </a:r>
+          </a:p>
+          <a:p>
+            <a:pPr lvl="4"/>
+            <a:r>
+              <a:rPr lang="en-US" smtClean="0"/>
+              <a:t>Fifth level</a:t>
+            </a:r>
+            <a:endParaRPr lang="en-US" dirty="0"/>
+          </a:p>
+        </p:txBody>
+      </p:sp>
+      <p:sp>
+        <p:nvSpPr>
+          <p:cNvPr id="11" name="Text Placeholder 4"/>
+          <p:cNvSpPr>
+            <a:spLocks noGrp="1"/>
+          </p:cNvSpPr>
+          <p:nvPr>
+            <p:ph type="body" sz="quarter" idx="13"/>
+          </p:nvPr>
+        </p:nvSpPr>
+        <p:spPr>
+          <a:xfrm>
+            <a:off x="4753737" y="2313434"/>
+            <a:ext cx="3290516" cy="704087"/>
+          </a:xfrm>
+        </p:spPr>
+        <p:txBody>
+          <a:bodyPr anchor="b" anchorCtr="1">
+            <a:normAutofit/>
           </a:bodyPr>
           <a:lstStyle>
-            <a:lvl1pPr marL="0" indent="0">
-              <a:lnSpc>
-                <a:spcPct val="90000"/>
-              </a:lnSpc>
-              <a:buNone/>
-              <a:defRPr sz="2600" b="0">
+            <a:lvl1pPr marL="0" indent="0" algn="ctr">
+              <a:buNone/>
+              <a:defRPr sz="1900" b="0" cap="all" spc="100" baseline="0">
                 <a:solidFill>
-                  <a:schemeClr val="accent1"/>
+                  <a:schemeClr val="accent2">
+                    <a:lumMod val="75000"/>
+                  </a:schemeClr>
                 </a:solidFill>
               </a:defRPr>
             </a:lvl1pPr>
             <a:lvl2pPr marL="457200" indent="0">
               <a:buNone/>
-              <a:defRPr sz="2000" b="1"/>
+              <a:defRPr sz="1900" b="1"/>
             </a:lvl2pPr>
             <a:lvl3pPr marL="914400" indent="0">
               <a:buNone/>
@@ -1621,63 +1655,6 @@
       </p:sp>
       <p:sp>
         <p:nvSpPr>
-          <p:cNvPr id="13" name="Content Placeholder 5"/>
-          <p:cNvSpPr>
-            <a:spLocks noGrp="1"/>
-          </p:cNvSpPr>
-          <p:nvPr>
-            <p:ph sz="quarter" idx="14"/>
-          </p:nvPr>
-        </p:nvSpPr>
-        <p:spPr>
-          <a:xfrm>
-            <a:off x="4495477" y="2861733"/>
-            <a:ext cx="3816535" cy="2512852"/>
-          </a:xfrm>
-        </p:spPr>
-        <p:txBody>
-          <a:bodyPr anchor="t"/>
-          <a:lstStyle/>
-          <a:p>
-            <a:pPr lvl="0"/>
-            <a:r>
-              <a:rPr lang="en-US" smtClean="0"/>
-              <a:t>Edit Master text styles</a:t>
-            </a:r>
-          </a:p>
-          <a:p>
-            <a:pPr lvl="1"/>
-            <a:r>
-              <a:rPr lang="en-US" smtClean="0"/>
-              <a:t>Second level</a:t>
-            </a:r>
-          </a:p>
-          <a:p>
-            <a:pPr lvl="2"/>
-            <a:r>
-              <a:rPr lang="en-US" smtClean="0"/>
-              <a:t>Third level</a:t>
-            </a:r>
-          </a:p>
-          <a:p>
-            <a:pPr lvl="3"/>
-            <a:r>
-              <a:rPr lang="en-US" smtClean="0"/>
-              <a:t>Fourth level</a:t>
-            </a:r>
-          </a:p>
-          <a:p>
-            <a:pPr lvl="4"/>
-            <a:r>
-              <a:rPr lang="en-US" smtClean="0"/>
-              <a:t>Fifth level</a:t>
-            </a:r>
-            <a:endParaRPr lang="en-US" dirty="0"/>
-          </a:p>
-        </p:txBody>
-      </p:sp>
-      <p:sp>
-        <p:nvSpPr>
           <p:cNvPr id="7" name="Date Placeholder 6"/>
           <p:cNvSpPr>
             <a:spLocks noGrp="1"/>
@@ -1693,9 +1670,9 @@
           <a:p>
             <a:fld id="{241EB5C9-1307-BA42-ABA2-0BC069CD8E7F}" type="datetimeFigureOut">
               <a:rPr lang="en-US" smtClean="0"/>
-              <a:t>7/13/2020</a:t>
+              <a:t>7/13/2021</a:t>
             </a:fld>
-            <a:endParaRPr lang="en-US"/>
+            <a:endParaRPr lang="en-US" dirty="0"/>
           </a:p>
         </p:txBody>
       </p:sp>
@@ -1714,7 +1691,7 @@
           <a:bodyPr/>
           <a:lstStyle/>
           <a:p>
-            <a:endParaRPr lang="en-US"/>
+            <a:endParaRPr lang="en-US" dirty="0"/>
           </a:p>
         </p:txBody>
       </p:sp>
@@ -1737,14 +1714,37 @@
               <a:rPr lang="en-US" smtClean="0"/>
               <a:t>‹#›</a:t>
             </a:fld>
-            <a:endParaRPr lang="en-US"/>
+            <a:endParaRPr lang="en-US" dirty="0"/>
+          </a:p>
+        </p:txBody>
+      </p:sp>
+      <p:sp>
+        <p:nvSpPr>
+          <p:cNvPr id="10" name="Title 9"/>
+          <p:cNvSpPr>
+            <a:spLocks noGrp="1"/>
+          </p:cNvSpPr>
+          <p:nvPr>
+            <p:ph type="title"/>
+          </p:nvPr>
+        </p:nvSpPr>
+        <p:spPr/>
+        <p:txBody>
+          <a:bodyPr/>
+          <a:lstStyle/>
+          <a:p>
+            <a:r>
+              <a:rPr lang="en-US" smtClean="0"/>
+              <a:t>Click to edit Master title style</a:t>
+            </a:r>
+            <a:endParaRPr lang="en-US" dirty="0"/>
           </a:p>
         </p:txBody>
       </p:sp>
     </p:spTree>
     <p:extLst>
       <p:ext uri="{BB962C8B-B14F-4D97-AF65-F5344CB8AC3E}">
-        <p14:creationId xmlns:p14="http://schemas.microsoft.com/office/powerpoint/2010/main" val="795512563"/>
+        <p14:creationId xmlns:p14="http://schemas.microsoft.com/office/powerpoint/2010/main" val="1468005312"/>
       </p:ext>
     </p:extLst>
   </p:cSld>
@@ -1811,9 +1811,9 @@
           <a:p>
             <a:fld id="{241EB5C9-1307-BA42-ABA2-0BC069CD8E7F}" type="datetimeFigureOut">
               <a:rPr lang="en-US" smtClean="0"/>
-              <a:t>7/13/2020</a:t>
+              <a:t>7/13/2021</a:t>
             </a:fld>
-            <a:endParaRPr lang="en-US"/>
+            <a:endParaRPr lang="en-US" dirty="0"/>
           </a:p>
         </p:txBody>
       </p:sp>
@@ -1832,7 +1832,7 @@
           <a:bodyPr/>
           <a:lstStyle/>
           <a:p>
-            <a:endParaRPr lang="en-US"/>
+            <a:endParaRPr lang="en-US" dirty="0"/>
           </a:p>
         </p:txBody>
       </p:sp>
@@ -1855,14 +1855,14 @@
               <a:rPr lang="en-US" smtClean="0"/>
               <a:t>‹#›</a:t>
             </a:fld>
-            <a:endParaRPr lang="en-US"/>
+            <a:endParaRPr lang="en-US" dirty="0"/>
           </a:p>
         </p:txBody>
       </p:sp>
     </p:spTree>
     <p:extLst>
       <p:ext uri="{BB962C8B-B14F-4D97-AF65-F5344CB8AC3E}">
-        <p14:creationId xmlns:p14="http://schemas.microsoft.com/office/powerpoint/2010/main" val="2054473317"/>
+        <p14:creationId xmlns:p14="http://schemas.microsoft.com/office/powerpoint/2010/main" val="1206844965"/>
       </p:ext>
     </p:extLst>
   </p:cSld>
@@ -1906,9 +1906,9 @@
           <a:p>
             <a:fld id="{241EB5C9-1307-BA42-ABA2-0BC069CD8E7F}" type="datetimeFigureOut">
               <a:rPr lang="en-US" smtClean="0"/>
-              <a:t>7/13/2020</a:t>
+              <a:t>7/13/2021</a:t>
             </a:fld>
-            <a:endParaRPr lang="en-US"/>
+            <a:endParaRPr lang="en-US" dirty="0"/>
           </a:p>
         </p:txBody>
       </p:sp>
@@ -1927,7 +1927,7 @@
           <a:bodyPr/>
           <a:lstStyle/>
           <a:p>
-            <a:endParaRPr lang="en-US"/>
+            <a:endParaRPr lang="en-US" dirty="0"/>
           </a:p>
         </p:txBody>
       </p:sp>
@@ -1950,14 +1950,747 @@
               <a:rPr lang="en-US" smtClean="0"/>
               <a:t>‹#›</a:t>
             </a:fld>
-            <a:endParaRPr lang="en-US"/>
+            <a:endParaRPr lang="en-US" dirty="0"/>
           </a:p>
         </p:txBody>
       </p:sp>
     </p:spTree>
     <p:extLst>
       <p:ext uri="{BB962C8B-B14F-4D97-AF65-F5344CB8AC3E}">
-        <p14:creationId xmlns:p14="http://schemas.microsoft.com/office/powerpoint/2010/main" val="706108891"/>
+        <p14:creationId xmlns:p14="http://schemas.microsoft.com/office/powerpoint/2010/main" val="1154286185"/>
+      </p:ext>
+    </p:extLst>
+  </p:cSld>
+  <p:clrMapOvr>
+    <a:masterClrMapping/>
+  </p:clrMapOvr>
+</p:sldLayout>
+</file>
+
+<file path=ppt/slideLayouts/slideLayout8.xml><?xml version="1.0" encoding="utf-8"?>
+<p:sldLayout xmlns:a="http://schemas.openxmlformats.org/drawingml/2006/main" xmlns:r="http://schemas.openxmlformats.org/officeDocument/2006/relationships" xmlns:p="http://schemas.openxmlformats.org/presentationml/2006/main" type="objTx" preserve="1">
+  <p:cSld name="Content with Caption">
+    <p:spTree>
+      <p:nvGrpSpPr>
+        <p:cNvPr id="1" name=""/>
+        <p:cNvGrpSpPr/>
+        <p:nvPr/>
+      </p:nvGrpSpPr>
+      <p:grpSpPr>
+        <a:xfrm>
+          <a:off x="0" y="0"/>
+          <a:ext cx="0" cy="0"/>
+          <a:chOff x="0" y="0"/>
+          <a:chExt cx="0" cy="0"/>
+        </a:xfrm>
+      </p:grpSpPr>
+      <p:sp>
+        <p:nvSpPr>
+          <p:cNvPr id="26" name="Rectangle 25"/>
+          <p:cNvSpPr/>
+          <p:nvPr/>
+        </p:nvSpPr>
+        <p:spPr>
+          <a:xfrm>
+            <a:off x="0" y="0"/>
+            <a:ext cx="4572000" cy="6858000"/>
+          </a:xfrm>
+          <a:prstGeom prst="rect">
+            <a:avLst/>
+          </a:prstGeom>
+          <a:solidFill>
+            <a:schemeClr val="accent2"/>
+          </a:solidFill>
+          <a:ln>
+            <a:noFill/>
+          </a:ln>
+        </p:spPr>
+        <p:style>
+          <a:lnRef idx="2">
+            <a:schemeClr val="accent1">
+              <a:shade val="50000"/>
+            </a:schemeClr>
+          </a:lnRef>
+          <a:fillRef idx="1">
+            <a:schemeClr val="accent1"/>
+          </a:fillRef>
+          <a:effectRef idx="0">
+            <a:schemeClr val="accent1"/>
+          </a:effectRef>
+          <a:fontRef idx="minor">
+            <a:schemeClr val="lt1"/>
+          </a:fontRef>
+        </p:style>
+      </p:sp>
+      <p:sp>
+        <p:nvSpPr>
+          <p:cNvPr id="2" name="Title 1"/>
+          <p:cNvSpPr>
+            <a:spLocks noGrp="1"/>
+          </p:cNvSpPr>
+          <p:nvPr>
+            <p:ph type="title"/>
+          </p:nvPr>
+        </p:nvSpPr>
+        <p:spPr bwMode="blackWhite">
+          <a:xfrm>
+            <a:off x="640703" y="2243829"/>
+            <a:ext cx="3290594" cy="1141497"/>
+          </a:xfrm>
+          <a:solidFill>
+            <a:srgbClr val="FFFFFF"/>
+          </a:solidFill>
+          <a:ln>
+            <a:solidFill>
+              <a:srgbClr val="404040"/>
+            </a:solidFill>
+          </a:ln>
+        </p:spPr>
+        <p:txBody>
+          <a:bodyPr anchor="ctr" anchorCtr="1">
+            <a:normAutofit/>
+          </a:bodyPr>
+          <a:lstStyle>
+            <a:lvl1pPr>
+              <a:defRPr sz="2100">
+                <a:solidFill>
+                  <a:srgbClr val="262626"/>
+                </a:solidFill>
+              </a:defRPr>
+            </a:lvl1pPr>
+          </a:lstStyle>
+          <a:p>
+            <a:r>
+              <a:rPr lang="en-US" smtClean="0"/>
+              <a:t>Click to edit Master title style</a:t>
+            </a:r>
+            <a:endParaRPr lang="en-US" dirty="0"/>
+          </a:p>
+        </p:txBody>
+      </p:sp>
+      <p:sp>
+        <p:nvSpPr>
+          <p:cNvPr id="3" name="Content Placeholder 2"/>
+          <p:cNvSpPr>
+            <a:spLocks noGrp="1"/>
+          </p:cNvSpPr>
+          <p:nvPr>
+            <p:ph idx="1"/>
+          </p:nvPr>
+        </p:nvSpPr>
+        <p:spPr>
+          <a:xfrm>
+            <a:off x="5052060" y="804672"/>
+            <a:ext cx="3611880" cy="5248656"/>
+          </a:xfrm>
+        </p:spPr>
+        <p:txBody>
+          <a:bodyPr>
+            <a:normAutofit/>
+          </a:bodyPr>
+          <a:lstStyle>
+            <a:lvl1pPr>
+              <a:defRPr sz="1900">
+                <a:solidFill>
+                  <a:schemeClr val="tx1"/>
+                </a:solidFill>
+              </a:defRPr>
+            </a:lvl1pPr>
+            <a:lvl2pPr>
+              <a:defRPr sz="1600">
+                <a:solidFill>
+                  <a:schemeClr val="tx1"/>
+                </a:solidFill>
+              </a:defRPr>
+            </a:lvl2pPr>
+            <a:lvl3pPr>
+              <a:defRPr sz="1600">
+                <a:solidFill>
+                  <a:schemeClr val="tx1"/>
+                </a:solidFill>
+              </a:defRPr>
+            </a:lvl3pPr>
+            <a:lvl4pPr>
+              <a:defRPr sz="1600">
+                <a:solidFill>
+                  <a:schemeClr val="tx1"/>
+                </a:solidFill>
+              </a:defRPr>
+            </a:lvl4pPr>
+            <a:lvl5pPr>
+              <a:defRPr sz="1600">
+                <a:solidFill>
+                  <a:schemeClr val="tx1"/>
+                </a:solidFill>
+              </a:defRPr>
+            </a:lvl5pPr>
+            <a:lvl6pPr>
+              <a:defRPr sz="1600"/>
+            </a:lvl6pPr>
+            <a:lvl7pPr>
+              <a:defRPr sz="1600"/>
+            </a:lvl7pPr>
+            <a:lvl8pPr>
+              <a:defRPr sz="1600"/>
+            </a:lvl8pPr>
+            <a:lvl9pPr>
+              <a:defRPr sz="1600"/>
+            </a:lvl9pPr>
+          </a:lstStyle>
+          <a:p>
+            <a:pPr lvl="0"/>
+            <a:r>
+              <a:rPr lang="en-US" smtClean="0"/>
+              <a:t>Edit Master text styles</a:t>
+            </a:r>
+          </a:p>
+          <a:p>
+            <a:pPr lvl="1"/>
+            <a:r>
+              <a:rPr lang="en-US" smtClean="0"/>
+              <a:t>Second level</a:t>
+            </a:r>
+          </a:p>
+          <a:p>
+            <a:pPr lvl="2"/>
+            <a:r>
+              <a:rPr lang="en-US" smtClean="0"/>
+              <a:t>Third level</a:t>
+            </a:r>
+          </a:p>
+          <a:p>
+            <a:pPr lvl="3"/>
+            <a:r>
+              <a:rPr lang="en-US" smtClean="0"/>
+              <a:t>Fourth level</a:t>
+            </a:r>
+          </a:p>
+          <a:p>
+            <a:pPr lvl="4"/>
+            <a:r>
+              <a:rPr lang="en-US" smtClean="0"/>
+              <a:t>Fifth level</a:t>
+            </a:r>
+            <a:endParaRPr lang="en-US" dirty="0"/>
+          </a:p>
+        </p:txBody>
+      </p:sp>
+      <p:sp>
+        <p:nvSpPr>
+          <p:cNvPr id="4" name="Text Placeholder 3"/>
+          <p:cNvSpPr>
+            <a:spLocks noGrp="1"/>
+          </p:cNvSpPr>
+          <p:nvPr>
+            <p:ph type="body" sz="half" idx="2"/>
+          </p:nvPr>
+        </p:nvSpPr>
+        <p:spPr>
+          <a:xfrm>
+            <a:off x="862965" y="3549918"/>
+            <a:ext cx="2846070" cy="2194036"/>
+          </a:xfrm>
+        </p:spPr>
+        <p:txBody>
+          <a:bodyPr anchor="t" anchorCtr="1">
+            <a:normAutofit/>
+          </a:bodyPr>
+          <a:lstStyle>
+            <a:lvl1pPr marL="0" indent="0" algn="ctr">
+              <a:buNone/>
+              <a:defRPr sz="1500">
+                <a:solidFill>
+                  <a:srgbClr val="FFFFFF"/>
+                </a:solidFill>
+              </a:defRPr>
+            </a:lvl1pPr>
+            <a:lvl2pPr marL="457200" indent="0">
+              <a:buNone/>
+              <a:defRPr sz="1400"/>
+            </a:lvl2pPr>
+            <a:lvl3pPr marL="914400" indent="0">
+              <a:buNone/>
+              <a:defRPr sz="1200"/>
+            </a:lvl3pPr>
+            <a:lvl4pPr marL="1371600" indent="0">
+              <a:buNone/>
+              <a:defRPr sz="1000"/>
+            </a:lvl4pPr>
+            <a:lvl5pPr marL="1828800" indent="0">
+              <a:buNone/>
+              <a:defRPr sz="1000"/>
+            </a:lvl5pPr>
+            <a:lvl6pPr marL="2286000" indent="0">
+              <a:buNone/>
+              <a:defRPr sz="1000"/>
+            </a:lvl6pPr>
+            <a:lvl7pPr marL="2743200" indent="0">
+              <a:buNone/>
+              <a:defRPr sz="1000"/>
+            </a:lvl7pPr>
+            <a:lvl8pPr marL="3200400" indent="0">
+              <a:buNone/>
+              <a:defRPr sz="1000"/>
+            </a:lvl8pPr>
+            <a:lvl9pPr marL="3657600" indent="0">
+              <a:buNone/>
+              <a:defRPr sz="1000"/>
+            </a:lvl9pPr>
+          </a:lstStyle>
+          <a:p>
+            <a:pPr lvl="0"/>
+            <a:r>
+              <a:rPr lang="en-US" smtClean="0"/>
+              <a:t>Edit Master text styles</a:t>
+            </a:r>
+          </a:p>
+        </p:txBody>
+      </p:sp>
+      <p:sp>
+        <p:nvSpPr>
+          <p:cNvPr id="9" name="Date Placeholder 8"/>
+          <p:cNvSpPr>
+            <a:spLocks noGrp="1"/>
+          </p:cNvSpPr>
+          <p:nvPr>
+            <p:ph type="dt" sz="half" idx="10"/>
+          </p:nvPr>
+        </p:nvSpPr>
+        <p:spPr/>
+        <p:txBody>
+          <a:bodyPr/>
+          <a:lstStyle/>
+          <a:p>
+            <a:fld id="{241EB5C9-1307-BA42-ABA2-0BC069CD8E7F}" type="datetimeFigureOut">
+              <a:rPr lang="en-US" smtClean="0"/>
+              <a:t>7/13/2021</a:t>
+            </a:fld>
+            <a:endParaRPr lang="en-US" dirty="0"/>
+          </a:p>
+        </p:txBody>
+      </p:sp>
+      <p:sp>
+        <p:nvSpPr>
+          <p:cNvPr id="10" name="Footer Placeholder 9"/>
+          <p:cNvSpPr>
+            <a:spLocks noGrp="1"/>
+          </p:cNvSpPr>
+          <p:nvPr>
+            <p:ph type="ftr" sz="quarter" idx="11"/>
+          </p:nvPr>
+        </p:nvSpPr>
+        <p:spPr>
+          <a:xfrm>
+            <a:off x="640703" y="6236208"/>
+            <a:ext cx="3806398" cy="320040"/>
+          </a:xfrm>
+        </p:spPr>
+        <p:txBody>
+          <a:bodyPr>
+            <a:normAutofit/>
+          </a:bodyPr>
+          <a:lstStyle>
+            <a:lvl1pPr>
+              <a:defRPr>
+                <a:solidFill>
+                  <a:srgbClr val="FFFFFF">
+                    <a:alpha val="70000"/>
+                  </a:srgbClr>
+                </a:solidFill>
+              </a:defRPr>
+            </a:lvl1pPr>
+          </a:lstStyle>
+          <a:p>
+            <a:endParaRPr lang="en-US" dirty="0"/>
+          </a:p>
+        </p:txBody>
+      </p:sp>
+      <p:sp>
+        <p:nvSpPr>
+          <p:cNvPr id="11" name="Slide Number Placeholder 10"/>
+          <p:cNvSpPr>
+            <a:spLocks noGrp="1"/>
+          </p:cNvSpPr>
+          <p:nvPr>
+            <p:ph type="sldNum" sz="quarter" idx="12"/>
+          </p:nvPr>
+        </p:nvSpPr>
+        <p:spPr/>
+        <p:txBody>
+          <a:bodyPr/>
+          <a:lstStyle/>
+          <a:p>
+            <a:fld id="{C5EF2332-01BF-834F-8236-50238282D533}" type="slidenum">
+              <a:rPr lang="en-US" smtClean="0"/>
+              <a:t>‹#›</a:t>
+            </a:fld>
+            <a:endParaRPr lang="en-US" dirty="0"/>
+          </a:p>
+        </p:txBody>
+      </p:sp>
+    </p:spTree>
+    <p:extLst>
+      <p:ext uri="{BB962C8B-B14F-4D97-AF65-F5344CB8AC3E}">
+        <p14:creationId xmlns:p14="http://schemas.microsoft.com/office/powerpoint/2010/main" val="2232908230"/>
+      </p:ext>
+    </p:extLst>
+  </p:cSld>
+  <p:clrMapOvr>
+    <a:masterClrMapping/>
+  </p:clrMapOvr>
+</p:sldLayout>
+</file>
+
+<file path=ppt/slideLayouts/slideLayout9.xml><?xml version="1.0" encoding="utf-8"?>
+<p:sldLayout xmlns:a="http://schemas.openxmlformats.org/drawingml/2006/main" xmlns:r="http://schemas.openxmlformats.org/officeDocument/2006/relationships" xmlns:p="http://schemas.openxmlformats.org/presentationml/2006/main" type="picTx" preserve="1">
+  <p:cSld name="Picture with Caption">
+    <p:spTree>
+      <p:nvGrpSpPr>
+        <p:cNvPr id="1" name=""/>
+        <p:cNvGrpSpPr/>
+        <p:nvPr/>
+      </p:nvGrpSpPr>
+      <p:grpSpPr>
+        <a:xfrm>
+          <a:off x="0" y="0"/>
+          <a:ext cx="0" cy="0"/>
+          <a:chOff x="0" y="0"/>
+          <a:chExt cx="0" cy="0"/>
+        </a:xfrm>
+      </p:grpSpPr>
+      <p:sp>
+        <p:nvSpPr>
+          <p:cNvPr id="18" name="Rectangle 17"/>
+          <p:cNvSpPr/>
+          <p:nvPr/>
+        </p:nvSpPr>
+        <p:spPr>
+          <a:xfrm>
+            <a:off x="1" y="0"/>
+            <a:ext cx="4571999" cy="6858000"/>
+          </a:xfrm>
+          <a:prstGeom prst="rect">
+            <a:avLst/>
+          </a:prstGeom>
+          <a:solidFill>
+            <a:schemeClr val="accent2"/>
+          </a:solidFill>
+          <a:ln>
+            <a:noFill/>
+          </a:ln>
+        </p:spPr>
+        <p:style>
+          <a:lnRef idx="2">
+            <a:schemeClr val="accent1">
+              <a:shade val="50000"/>
+            </a:schemeClr>
+          </a:lnRef>
+          <a:fillRef idx="1">
+            <a:schemeClr val="accent1"/>
+          </a:fillRef>
+          <a:effectRef idx="0">
+            <a:schemeClr val="accent1"/>
+          </a:effectRef>
+          <a:fontRef idx="minor">
+            <a:schemeClr val="lt1"/>
+          </a:fontRef>
+        </p:style>
+      </p:sp>
+      <p:sp>
+        <p:nvSpPr>
+          <p:cNvPr id="2" name="Title 1"/>
+          <p:cNvSpPr>
+            <a:spLocks noGrp="1"/>
+          </p:cNvSpPr>
+          <p:nvPr>
+            <p:ph type="title"/>
+          </p:nvPr>
+        </p:nvSpPr>
+        <p:spPr bwMode="blackWhite">
+          <a:xfrm>
+            <a:off x="640080" y="2243828"/>
+            <a:ext cx="3291840" cy="1143000"/>
+          </a:xfrm>
+          <a:solidFill>
+            <a:srgbClr val="FFFFFF"/>
+          </a:solidFill>
+          <a:ln>
+            <a:solidFill>
+              <a:srgbClr val="262626"/>
+            </a:solidFill>
+          </a:ln>
+        </p:spPr>
+        <p:txBody>
+          <a:bodyPr anchor="ctr" anchorCtr="1">
+            <a:noAutofit/>
+          </a:bodyPr>
+          <a:lstStyle>
+            <a:lvl1pPr>
+              <a:defRPr sz="2100">
+                <a:solidFill>
+                  <a:srgbClr val="262626"/>
+                </a:solidFill>
+              </a:defRPr>
+            </a:lvl1pPr>
+          </a:lstStyle>
+          <a:p>
+            <a:r>
+              <a:rPr lang="en-US" smtClean="0"/>
+              <a:t>Click to edit Master title style</a:t>
+            </a:r>
+            <a:endParaRPr lang="en-US" dirty="0"/>
+          </a:p>
+        </p:txBody>
+      </p:sp>
+      <p:sp>
+        <p:nvSpPr>
+          <p:cNvPr id="3" name="Picture Placeholder 2"/>
+          <p:cNvSpPr>
+            <a:spLocks noGrp="1" noChangeAspect="1"/>
+          </p:cNvSpPr>
+          <p:nvPr>
+            <p:ph type="pic" idx="1"/>
+          </p:nvPr>
+        </p:nvSpPr>
+        <p:spPr>
+          <a:xfrm>
+            <a:off x="4572000" y="-42172"/>
+            <a:ext cx="4576573" cy="6858000"/>
+          </a:xfrm>
+          <a:solidFill>
+            <a:schemeClr val="bg1">
+              <a:lumMod val="75000"/>
+            </a:schemeClr>
+          </a:solidFill>
+        </p:spPr>
+        <p:txBody>
+          <a:bodyPr anchor="t"/>
+          <a:lstStyle>
+            <a:lvl1pPr marL="0" indent="0">
+              <a:buNone/>
+              <a:defRPr sz="3200">
+                <a:solidFill>
+                  <a:schemeClr val="bg1">
+                    <a:lumMod val="85000"/>
+                    <a:lumOff val="15000"/>
+                  </a:schemeClr>
+                </a:solidFill>
+              </a:defRPr>
+            </a:lvl1pPr>
+            <a:lvl2pPr marL="457200" indent="0">
+              <a:buNone/>
+              <a:defRPr sz="2800"/>
+            </a:lvl2pPr>
+            <a:lvl3pPr marL="914400" indent="0">
+              <a:buNone/>
+              <a:defRPr sz="2400"/>
+            </a:lvl3pPr>
+            <a:lvl4pPr marL="1371600" indent="0">
+              <a:buNone/>
+              <a:defRPr sz="2000"/>
+            </a:lvl4pPr>
+            <a:lvl5pPr marL="1828800" indent="0">
+              <a:buNone/>
+              <a:defRPr sz="2000"/>
+            </a:lvl5pPr>
+            <a:lvl6pPr marL="2286000" indent="0">
+              <a:buNone/>
+              <a:defRPr sz="2000"/>
+            </a:lvl6pPr>
+            <a:lvl7pPr marL="2743200" indent="0">
+              <a:buNone/>
+              <a:defRPr sz="2000"/>
+            </a:lvl7pPr>
+            <a:lvl8pPr marL="3200400" indent="0">
+              <a:buNone/>
+              <a:defRPr sz="2000"/>
+            </a:lvl8pPr>
+            <a:lvl9pPr marL="3657600" indent="0">
+              <a:buNone/>
+              <a:defRPr sz="2000"/>
+            </a:lvl9pPr>
+          </a:lstStyle>
+          <a:p>
+            <a:r>
+              <a:rPr lang="en-US" dirty="0" smtClean="0"/>
+              <a:t>Click icon to add picture</a:t>
+            </a:r>
+            <a:endParaRPr lang="en-US" dirty="0"/>
+          </a:p>
+        </p:txBody>
+      </p:sp>
+      <p:sp>
+        <p:nvSpPr>
+          <p:cNvPr id="4" name="Text Placeholder 3"/>
+          <p:cNvSpPr>
+            <a:spLocks noGrp="1"/>
+          </p:cNvSpPr>
+          <p:nvPr>
+            <p:ph type="body" sz="half" idx="2"/>
+          </p:nvPr>
+        </p:nvSpPr>
+        <p:spPr>
+          <a:xfrm>
+            <a:off x="862965" y="3549919"/>
+            <a:ext cx="2846070" cy="2194037"/>
+          </a:xfrm>
+        </p:spPr>
+        <p:txBody>
+          <a:bodyPr anchor="t" anchorCtr="1">
+            <a:normAutofit/>
+          </a:bodyPr>
+          <a:lstStyle>
+            <a:lvl1pPr marL="0" indent="0" algn="ctr">
+              <a:buNone/>
+              <a:defRPr sz="1500">
+                <a:solidFill>
+                  <a:srgbClr val="FFFFFF"/>
+                </a:solidFill>
+              </a:defRPr>
+            </a:lvl1pPr>
+            <a:lvl2pPr marL="457200" indent="0">
+              <a:buNone/>
+              <a:defRPr sz="1400"/>
+            </a:lvl2pPr>
+            <a:lvl3pPr marL="914400" indent="0">
+              <a:buNone/>
+              <a:defRPr sz="1200"/>
+            </a:lvl3pPr>
+            <a:lvl4pPr marL="1371600" indent="0">
+              <a:buNone/>
+              <a:defRPr sz="1000"/>
+            </a:lvl4pPr>
+            <a:lvl5pPr marL="1828800" indent="0">
+              <a:buNone/>
+              <a:defRPr sz="1000"/>
+            </a:lvl5pPr>
+            <a:lvl6pPr marL="2286000" indent="0">
+              <a:buNone/>
+              <a:defRPr sz="1000"/>
+            </a:lvl6pPr>
+            <a:lvl7pPr marL="2743200" indent="0">
+              <a:buNone/>
+              <a:defRPr sz="1000"/>
+            </a:lvl7pPr>
+            <a:lvl8pPr marL="3200400" indent="0">
+              <a:buNone/>
+              <a:defRPr sz="1000"/>
+            </a:lvl8pPr>
+            <a:lvl9pPr marL="3657600" indent="0">
+              <a:buNone/>
+              <a:defRPr sz="1000"/>
+            </a:lvl9pPr>
+          </a:lstStyle>
+          <a:p>
+            <a:pPr lvl="0"/>
+            <a:r>
+              <a:rPr lang="en-US" smtClean="0"/>
+              <a:t>Edit Master text styles</a:t>
+            </a:r>
+          </a:p>
+        </p:txBody>
+      </p:sp>
+      <p:sp>
+        <p:nvSpPr>
+          <p:cNvPr id="8" name="Date Placeholder 7"/>
+          <p:cNvSpPr>
+            <a:spLocks noGrp="1"/>
+          </p:cNvSpPr>
+          <p:nvPr>
+            <p:ph type="dt" sz="half" idx="10"/>
+          </p:nvPr>
+        </p:nvSpPr>
+        <p:spPr/>
+        <p:txBody>
+          <a:bodyPr/>
+          <a:lstStyle>
+            <a:lvl1pPr>
+              <a:defRPr>
+                <a:solidFill>
+                  <a:srgbClr val="FFFFFF"/>
+                </a:solidFill>
+                <a:effectLst>
+                  <a:outerShdw blurRad="50800" dist="38100" dir="2700000" algn="tl" rotWithShape="0">
+                    <a:prstClr val="black">
+                      <a:alpha val="43000"/>
+                    </a:prstClr>
+                  </a:outerShdw>
+                </a:effectLst>
+              </a:defRPr>
+            </a:lvl1pPr>
+          </a:lstStyle>
+          <a:p>
+            <a:fld id="{241EB5C9-1307-BA42-ABA2-0BC069CD8E7F}" type="datetimeFigureOut">
+              <a:rPr lang="en-US" smtClean="0"/>
+              <a:t>7/13/2021</a:t>
+            </a:fld>
+            <a:endParaRPr lang="en-US" dirty="0"/>
+          </a:p>
+        </p:txBody>
+      </p:sp>
+      <p:sp>
+        <p:nvSpPr>
+          <p:cNvPr id="9" name="Footer Placeholder 8"/>
+          <p:cNvSpPr>
+            <a:spLocks noGrp="1"/>
+          </p:cNvSpPr>
+          <p:nvPr>
+            <p:ph type="ftr" sz="quarter" idx="11"/>
+          </p:nvPr>
+        </p:nvSpPr>
+        <p:spPr>
+          <a:xfrm>
+            <a:off x="640080" y="6236208"/>
+            <a:ext cx="3803904" cy="320040"/>
+          </a:xfrm>
+        </p:spPr>
+        <p:txBody>
+          <a:bodyPr>
+            <a:normAutofit/>
+          </a:bodyPr>
+          <a:lstStyle>
+            <a:lvl1pPr>
+              <a:defRPr>
+                <a:solidFill>
+                  <a:srgbClr val="FFFFFF">
+                    <a:alpha val="70000"/>
+                  </a:srgbClr>
+                </a:solidFill>
+              </a:defRPr>
+            </a:lvl1pPr>
+          </a:lstStyle>
+          <a:p>
+            <a:endParaRPr lang="en-US" dirty="0"/>
+          </a:p>
+        </p:txBody>
+      </p:sp>
+      <p:sp>
+        <p:nvSpPr>
+          <p:cNvPr id="10" name="Slide Number Placeholder 9"/>
+          <p:cNvSpPr>
+            <a:spLocks noGrp="1"/>
+          </p:cNvSpPr>
+          <p:nvPr>
+            <p:ph type="sldNum" sz="quarter" idx="12"/>
+          </p:nvPr>
+        </p:nvSpPr>
+        <p:spPr/>
+        <p:txBody>
+          <a:bodyPr/>
+          <a:lstStyle/>
+          <a:p>
+            <a:fld id="{C5EF2332-01BF-834F-8236-50238282D533}" type="slidenum">
+              <a:rPr lang="en-US" smtClean="0"/>
+              <a:t>‹#›</a:t>
+            </a:fld>
+            <a:endParaRPr lang="en-US" dirty="0"/>
+          </a:p>
+        </p:txBody>
+      </p:sp>
+    </p:spTree>
+    <p:extLst>
+      <p:ext uri="{BB962C8B-B14F-4D97-AF65-F5344CB8AC3E}">
+        <p14:creationId xmlns:p14="http://schemas.microsoft.com/office/powerpoint/2010/main" val="2520782306"/>
       </p:ext>
     </p:extLst>
   </p:cSld>
@@ -1971,9 +2704,14 @@
 <p:sldMaster xmlns:a="http://schemas.openxmlformats.org/drawingml/2006/main" xmlns:r="http://schemas.openxmlformats.org/officeDocument/2006/relationships" xmlns:p="http://schemas.openxmlformats.org/presentationml/2006/main">
   <p:cSld>
     <p:bg>
-      <p:bgRef idx="1003">
-        <a:schemeClr val="bg1"/>
-      </p:bgRef>
+      <p:bgPr>
+        <a:solidFill>
+          <a:schemeClr val="bg1">
+            <a:lumMod val="95000"/>
+          </a:schemeClr>
+        </a:solidFill>
+        <a:effectLst/>
+      </p:bgPr>
     </p:bg>
     <p:spTree>
       <p:nvGrpSpPr>
@@ -1989,397 +2727,220 @@
           <a:chExt cx="0" cy="0"/>
         </a:xfrm>
       </p:grpSpPr>
-      <p:pic>
-        <p:nvPicPr>
-          <p:cNvPr id="8" name="Picture 7" descr="Brickwork-SD-R1acrop.jpg"/>
-          <p:cNvPicPr>
-            <a:picLocks noChangeAspect="1"/>
-          </p:cNvPicPr>
-          <p:nvPr/>
-        </p:nvPicPr>
-        <p:blipFill>
-          <a:blip r:embed="rId9">
-            <a:extLst>
-              <a:ext uri="{28A0092B-C50C-407E-A947-70E740481C1C}">
-                <a14:useLocalDpi xmlns:a14="http://schemas.microsoft.com/office/drawing/2010/main" val="0"/>
-              </a:ext>
-            </a:extLst>
-          </a:blip>
-          <a:stretch>
-            <a:fillRect/>
-          </a:stretch>
-        </p:blipFill>
+      <p:sp>
+        <p:nvSpPr>
+          <p:cNvPr id="2" name="Title Placeholder 1"/>
+          <p:cNvSpPr>
+            <a:spLocks noGrp="1"/>
+          </p:cNvSpPr>
+          <p:nvPr>
+            <p:ph type="title"/>
+          </p:nvPr>
+        </p:nvSpPr>
+        <p:spPr bwMode="black">
+          <a:xfrm>
+            <a:off x="1606045" y="964692"/>
+            <a:ext cx="5937755" cy="1188720"/>
+          </a:xfrm>
+          <a:prstGeom prst="rect">
+            <a:avLst/>
+          </a:prstGeom>
+          <a:solidFill>
+            <a:srgbClr val="FFFFFF"/>
+          </a:solidFill>
+          <a:ln w="31750" cap="sq">
+            <a:solidFill>
+              <a:srgbClr val="404040"/>
+            </a:solidFill>
+            <a:miter lim="800000"/>
+          </a:ln>
+        </p:spPr>
+        <p:txBody>
+          <a:bodyPr vert="horz" lIns="182880" tIns="182880" rIns="182880" bIns="182880" rtlCol="0" anchor="ctr">
+            <a:normAutofit/>
+          </a:bodyPr>
+          <a:lstStyle/>
+          <a:p>
+            <a:r>
+              <a:rPr lang="en-US" smtClean="0"/>
+              <a:t>Click to edit Master title style</a:t>
+            </a:r>
+            <a:endParaRPr lang="en-US" dirty="0"/>
+          </a:p>
+        </p:txBody>
+      </p:sp>
+      <p:sp>
+        <p:nvSpPr>
+          <p:cNvPr id="3" name="Text Placeholder 2"/>
+          <p:cNvSpPr>
+            <a:spLocks noGrp="1"/>
+          </p:cNvSpPr>
+          <p:nvPr>
+            <p:ph type="body" idx="1"/>
+          </p:nvPr>
+        </p:nvSpPr>
         <p:spPr>
           <a:xfrm>
-            <a:off x="0" y="0"/>
-            <a:ext cx="9144000" cy="6858000"/>
+            <a:off x="1606045" y="2638045"/>
+            <a:ext cx="5937755" cy="3101983"/>
           </a:xfrm>
           <a:prstGeom prst="rect">
             <a:avLst/>
           </a:prstGeom>
         </p:spPr>
-      </p:pic>
-      <p:grpSp>
-        <p:nvGrpSpPr>
-          <p:cNvPr id="10" name="Group 9"/>
-          <p:cNvGrpSpPr/>
-          <p:nvPr/>
-        </p:nvGrpSpPr>
-        <p:grpSpPr>
-          <a:xfrm>
-            <a:off x="-19048" y="1"/>
-            <a:ext cx="9004013" cy="6644081"/>
-            <a:chOff x="-25397" y="0"/>
-            <a:chExt cx="12005350" cy="6644081"/>
-          </a:xfrm>
-        </p:grpSpPr>
-        <p:sp useBgFill="1">
-          <p:nvSpPr>
-            <p:cNvPr id="11" name="Rectangle 10"/>
-            <p:cNvSpPr/>
-            <p:nvPr/>
-          </p:nvSpPr>
-          <p:spPr>
-            <a:xfrm>
-              <a:off x="1" y="0"/>
-              <a:ext cx="11979952" cy="6644081"/>
-            </a:xfrm>
-            <a:prstGeom prst="rect">
-              <a:avLst/>
-            </a:prstGeom>
-            <a:ln>
-              <a:noFill/>
-            </a:ln>
-            <a:effectLst>
-              <a:outerShdw blurRad="98425" dist="76200" dir="4380000" algn="tl" rotWithShape="0">
-                <a:srgbClr val="000000">
-                  <a:alpha val="68000"/>
-                </a:srgbClr>
-              </a:outerShdw>
-            </a:effectLst>
-          </p:spPr>
-          <p:style>
-            <a:lnRef idx="1">
-              <a:schemeClr val="accent1"/>
-            </a:lnRef>
-            <a:fillRef idx="3">
-              <a:schemeClr val="accent1"/>
-            </a:fillRef>
-            <a:effectRef idx="2">
-              <a:schemeClr val="accent1"/>
-            </a:effectRef>
-            <a:fontRef idx="minor">
-              <a:schemeClr val="lt1"/>
-            </a:fontRef>
-          </p:style>
-        </p:sp>
-        <p:sp>
-          <p:nvSpPr>
-            <p:cNvPr id="13" name="Rectangle 12"/>
-            <p:cNvSpPr/>
-            <p:nvPr/>
-          </p:nvSpPr>
-          <p:spPr>
-            <a:xfrm>
-              <a:off x="1" y="5600215"/>
-              <a:ext cx="11706512" cy="780581"/>
-            </a:xfrm>
-            <a:prstGeom prst="rect">
-              <a:avLst/>
-            </a:prstGeom>
-            <a:gradFill flip="none" rotWithShape="1">
-              <a:gsLst>
-                <a:gs pos="34000">
-                  <a:schemeClr val="accent1"/>
-                </a:gs>
-                <a:gs pos="100000">
-                  <a:schemeClr val="accent1">
-                    <a:lumMod val="50000"/>
-                  </a:schemeClr>
-                </a:gs>
-              </a:gsLst>
-              <a:path path="circle">
-                <a:fillToRect l="50000" t="50000" r="50000" b="50000"/>
-              </a:path>
-              <a:tileRect/>
-            </a:gradFill>
-            <a:ln>
-              <a:noFill/>
-            </a:ln>
-          </p:spPr>
-          <p:style>
-            <a:lnRef idx="1">
-              <a:schemeClr val="accent1"/>
-            </a:lnRef>
-            <a:fillRef idx="3">
-              <a:schemeClr val="accent1"/>
-            </a:fillRef>
-            <a:effectRef idx="2">
-              <a:schemeClr val="accent1"/>
-            </a:effectRef>
-            <a:fontRef idx="minor">
-              <a:schemeClr val="lt1"/>
-            </a:fontRef>
-          </p:style>
-        </p:sp>
-        <p:sp>
-          <p:nvSpPr>
-            <p:cNvPr id="12" name="Freeform 11"/>
-            <p:cNvSpPr/>
-            <p:nvPr/>
-          </p:nvSpPr>
-          <p:spPr>
-            <a:xfrm>
-              <a:off x="-25397" y="0"/>
-              <a:ext cx="11773291" cy="6419514"/>
-            </a:xfrm>
-            <a:custGeom>
-              <a:avLst/>
-              <a:gdLst/>
-              <a:ahLst/>
-              <a:cxnLst/>
-              <a:rect l="l" t="t" r="r" b="b"/>
-              <a:pathLst>
-                <a:path w="11773291" h="6419514">
-                  <a:moveTo>
-                    <a:pt x="11750059" y="0"/>
-                  </a:moveTo>
-                  <a:lnTo>
-                    <a:pt x="11773291" y="6419514"/>
-                  </a:lnTo>
-                  <a:lnTo>
-                    <a:pt x="0" y="6411047"/>
-                  </a:lnTo>
-                </a:path>
-              </a:pathLst>
-            </a:custGeom>
-            <a:ln w="82550">
-              <a:solidFill>
-                <a:schemeClr val="tx1">
-                  <a:lumMod val="50000"/>
-                  <a:lumOff val="50000"/>
-                </a:schemeClr>
-              </a:solidFill>
-              <a:miter lim="800000"/>
-            </a:ln>
-          </p:spPr>
-          <p:style>
-            <a:lnRef idx="2">
-              <a:schemeClr val="accent1"/>
-            </a:lnRef>
-            <a:fillRef idx="0">
-              <a:schemeClr val="accent1"/>
-            </a:fillRef>
-            <a:effectRef idx="1">
-              <a:schemeClr val="accent1"/>
-            </a:effectRef>
-            <a:fontRef idx="minor">
-              <a:schemeClr val="tx1"/>
-            </a:fontRef>
-          </p:style>
-        </p:sp>
-      </p:grpSp>
-      <p:sp>
-        <p:nvSpPr>
-          <p:cNvPr id="2" name="Title Placeholder 1"/>
-          <p:cNvSpPr>
-            <a:spLocks noGrp="1"/>
-          </p:cNvSpPr>
-          <p:nvPr>
-            <p:ph type="title"/>
+        <p:txBody>
+          <a:bodyPr vert="horz" lIns="91440" tIns="45720" rIns="91440" bIns="45720" rtlCol="0">
+            <a:normAutofit/>
+          </a:bodyPr>
+          <a:lstStyle/>
+          <a:p>
+            <a:pPr lvl="0"/>
+            <a:r>
+              <a:rPr lang="en-US" dirty="0"/>
+              <a:t>Edit Master text styles</a:t>
+            </a:r>
+          </a:p>
+          <a:p>
+            <a:pPr lvl="1"/>
+            <a:r>
+              <a:rPr lang="en-US" dirty="0"/>
+              <a:t>Second level</a:t>
+            </a:r>
+          </a:p>
+          <a:p>
+            <a:pPr lvl="2"/>
+            <a:r>
+              <a:rPr lang="en-US" dirty="0"/>
+              <a:t>Third level</a:t>
+            </a:r>
+          </a:p>
+          <a:p>
+            <a:pPr lvl="3"/>
+            <a:r>
+              <a:rPr lang="en-US" dirty="0"/>
+              <a:t>Fourth level</a:t>
+            </a:r>
+          </a:p>
+          <a:p>
+            <a:pPr lvl="4"/>
+            <a:r>
+              <a:rPr lang="en-US" dirty="0"/>
+              <a:t>Fifth level</a:t>
+            </a:r>
+          </a:p>
+        </p:txBody>
+      </p:sp>
+      <p:sp>
+        <p:nvSpPr>
+          <p:cNvPr id="4" name="Date Placeholder 3"/>
+          <p:cNvSpPr>
+            <a:spLocks noGrp="1"/>
+          </p:cNvSpPr>
+          <p:nvPr>
+            <p:ph type="dt" sz="half" idx="2"/>
           </p:nvPr>
         </p:nvSpPr>
         <p:spPr>
           <a:xfrm>
-            <a:off x="2418907" y="685801"/>
-            <a:ext cx="5893106" cy="1151965"/>
+            <a:off x="5978943" y="6238816"/>
+            <a:ext cx="2065310" cy="323968"/>
           </a:xfrm>
           <a:prstGeom prst="rect">
             <a:avLst/>
           </a:prstGeom>
         </p:spPr>
         <p:txBody>
-          <a:bodyPr vert="horz" lIns="91440" tIns="45720" rIns="91440" bIns="45720" rtlCol="0" anchor="ctr">
-            <a:noAutofit/>
-          </a:bodyPr>
-          <a:lstStyle/>
-          <a:p>
-            <a:r>
-              <a:rPr lang="en-US" dirty="0" smtClean="0"/>
-              <a:t>Click to edit Master title style</a:t>
-            </a:r>
-            <a:endParaRPr lang="en-US" dirty="0"/>
-          </a:p>
-        </p:txBody>
-      </p:sp>
-      <p:sp>
-        <p:nvSpPr>
-          <p:cNvPr id="3" name="Text Placeholder 2"/>
-          <p:cNvSpPr>
-            <a:spLocks noGrp="1"/>
-          </p:cNvSpPr>
-          <p:nvPr>
-            <p:ph type="body" idx="1"/>
+          <a:bodyPr vert="horz" lIns="91440" tIns="45720" rIns="91440" bIns="45720" rtlCol="0" anchor="ctr"/>
+          <a:lstStyle>
+            <a:lvl1pPr algn="r">
+              <a:defRPr sz="1000">
+                <a:solidFill>
+                  <a:schemeClr val="tx1">
+                    <a:alpha val="70000"/>
+                  </a:schemeClr>
+                </a:solidFill>
+              </a:defRPr>
+            </a:lvl1pPr>
+          </a:lstStyle>
+          <a:p>
+            <a:fld id="{241EB5C9-1307-BA42-ABA2-0BC069CD8E7F}" type="datetimeFigureOut">
+              <a:rPr lang="en-US" smtClean="0"/>
+              <a:t>7/13/2021</a:t>
+            </a:fld>
+            <a:endParaRPr lang="en-US"/>
+          </a:p>
+        </p:txBody>
+      </p:sp>
+      <p:sp>
+        <p:nvSpPr>
+          <p:cNvPr id="5" name="Footer Placeholder 4"/>
+          <p:cNvSpPr>
+            <a:spLocks noGrp="1"/>
+          </p:cNvSpPr>
+          <p:nvPr>
+            <p:ph type="ftr" sz="quarter" idx="3"/>
           </p:nvPr>
         </p:nvSpPr>
         <p:spPr>
           <a:xfrm>
-            <a:off x="514351" y="2063396"/>
-            <a:ext cx="7797662" cy="3311189"/>
+            <a:off x="1102239" y="6236208"/>
+            <a:ext cx="4556664" cy="320040"/>
           </a:xfrm>
           <a:prstGeom prst="rect">
             <a:avLst/>
           </a:prstGeom>
         </p:spPr>
         <p:txBody>
-          <a:bodyPr vert="horz" lIns="91440" tIns="45720" rIns="91440" bIns="45720" rtlCol="0" anchor="ctr">
-            <a:normAutofit/>
-          </a:bodyPr>
-          <a:lstStyle/>
-          <a:p>
-            <a:pPr lvl="0"/>
-            <a:r>
-              <a:rPr lang="en-US" smtClean="0"/>
-              <a:t>Edit Master text styles</a:t>
-            </a:r>
-          </a:p>
-          <a:p>
-            <a:pPr lvl="1"/>
-            <a:r>
-              <a:rPr lang="en-US" smtClean="0"/>
-              <a:t>Second level</a:t>
-            </a:r>
-          </a:p>
-          <a:p>
-            <a:pPr lvl="2"/>
-            <a:r>
-              <a:rPr lang="en-US" smtClean="0"/>
-              <a:t>Third level</a:t>
-            </a:r>
-          </a:p>
-          <a:p>
-            <a:pPr lvl="3"/>
-            <a:r>
-              <a:rPr lang="en-US" smtClean="0"/>
-              <a:t>Fourth level</a:t>
-            </a:r>
-          </a:p>
-          <a:p>
-            <a:pPr lvl="4"/>
-            <a:r>
-              <a:rPr lang="en-US" smtClean="0"/>
-              <a:t>Fifth level</a:t>
-            </a:r>
-            <a:endParaRPr lang="en-US" dirty="0"/>
-          </a:p>
-        </p:txBody>
-      </p:sp>
-      <p:sp>
-        <p:nvSpPr>
-          <p:cNvPr id="4" name="Date Placeholder 3"/>
-          <p:cNvSpPr>
-            <a:spLocks noGrp="1"/>
-          </p:cNvSpPr>
-          <p:nvPr>
-            <p:ph type="dt" sz="half" idx="2"/>
-          </p:nvPr>
-        </p:nvSpPr>
-        <p:spPr>
-          <a:xfrm>
-            <a:off x="5473562" y="5757334"/>
-            <a:ext cx="2838450" cy="498470"/>
-          </a:xfrm>
-          <a:prstGeom prst="rect">
-            <a:avLst/>
-          </a:prstGeom>
-        </p:spPr>
-        <p:txBody>
           <a:bodyPr vert="horz" lIns="91440" tIns="45720" rIns="91440" bIns="45720" rtlCol="0" anchor="ctr"/>
           <a:lstStyle>
-            <a:lvl1pPr algn="r">
-              <a:defRPr sz="2800" cap="all" baseline="0">
+            <a:lvl1pPr algn="l">
+              <a:defRPr sz="1000">
                 <a:solidFill>
-                  <a:schemeClr val="accent1">
-                    <a:lumMod val="50000"/>
+                  <a:schemeClr val="tx1">
+                    <a:alpha val="70000"/>
                   </a:schemeClr>
                 </a:solidFill>
               </a:defRPr>
             </a:lvl1pPr>
           </a:lstStyle>
           <a:p>
-            <a:fld id="{241EB5C9-1307-BA42-ABA2-0BC069CD8E7F}" type="datetimeFigureOut">
-              <a:rPr lang="en-US" smtClean="0"/>
-              <a:t>7/13/2020</a:t>
-            </a:fld>
             <a:endParaRPr lang="en-US"/>
           </a:p>
         </p:txBody>
       </p:sp>
       <p:sp>
         <p:nvSpPr>
-          <p:cNvPr id="5" name="Footer Placeholder 4"/>
-          <p:cNvSpPr>
-            <a:spLocks noGrp="1"/>
-          </p:cNvSpPr>
-          <p:nvPr>
-            <p:ph type="ftr" sz="quarter" idx="3"/>
+          <p:cNvPr id="6" name="Slide Number Placeholder 5"/>
+          <p:cNvSpPr>
+            <a:spLocks noGrp="1"/>
+          </p:cNvSpPr>
+          <p:nvPr>
+            <p:ph type="sldNum" sz="quarter" idx="4"/>
           </p:nvPr>
         </p:nvSpPr>
         <p:spPr>
           <a:xfrm>
-            <a:off x="514351" y="5757334"/>
-            <a:ext cx="4124789" cy="498470"/>
+            <a:off x="8240112" y="6217920"/>
+            <a:ext cx="365760" cy="365760"/>
           </a:xfrm>
-          <a:prstGeom prst="rect">
+          <a:prstGeom prst="ellipse">
             <a:avLst/>
           </a:prstGeom>
+          <a:solidFill>
+            <a:srgbClr val="1D1D1D">
+              <a:alpha val="69804"/>
+            </a:srgbClr>
+          </a:solidFill>
         </p:spPr>
         <p:txBody>
-          <a:bodyPr vert="horz" lIns="91440" tIns="45720" rIns="91440" bIns="45720" rtlCol="0" anchor="ctr"/>
-          <a:lstStyle>
-            <a:lvl1pPr algn="l">
-              <a:defRPr sz="2800" cap="all" baseline="0">
-                <a:solidFill>
-                  <a:schemeClr val="accent1">
-                    <a:lumMod val="50000"/>
-                  </a:schemeClr>
-                </a:solidFill>
-              </a:defRPr>
-            </a:lvl1pPr>
-          </a:lstStyle>
-          <a:p>
-            <a:endParaRPr lang="en-US"/>
-          </a:p>
-        </p:txBody>
-      </p:sp>
-      <p:sp>
-        <p:nvSpPr>
-          <p:cNvPr id="6" name="Slide Number Placeholder 5"/>
-          <p:cNvSpPr>
-            <a:spLocks noGrp="1"/>
-          </p:cNvSpPr>
-          <p:nvPr>
-            <p:ph type="sldNum" sz="quarter" idx="4"/>
-          </p:nvPr>
-        </p:nvSpPr>
-        <p:spPr>
-          <a:xfrm>
-            <a:off x="4715341" y="5757334"/>
-            <a:ext cx="680390" cy="498470"/>
-          </a:xfrm>
-          <a:prstGeom prst="rect">
-            <a:avLst/>
-          </a:prstGeom>
-        </p:spPr>
-        <p:txBody>
-          <a:bodyPr vert="horz" lIns="91440" tIns="45720" rIns="91440" bIns="45720" rtlCol="0" anchor="ctr"/>
+          <a:bodyPr vert="horz" lIns="18288" tIns="45720" rIns="18288" bIns="45720" rtlCol="0" anchor="ctr">
+            <a:noAutofit/>
+          </a:bodyPr>
           <a:lstStyle>
             <a:lvl1pPr algn="ctr">
-              <a:defRPr sz="2800" cap="all" baseline="0">
+              <a:defRPr sz="1100" spc="0" baseline="0">
                 <a:solidFill>
-                  <a:schemeClr val="accent1">
-                    <a:lumMod val="50000"/>
-                  </a:schemeClr>
+                  <a:srgbClr val="FFFFFF"/>
                 </a:solidFill>
               </a:defRPr>
             </a:lvl1pPr>
@@ -2402,7 +2963,7 @@
           <p:nvPr userDrawn="1"/>
         </p:nvPicPr>
         <p:blipFill>
-          <a:blip r:embed="rId10">
+          <a:blip r:embed="rId13">
             <a:extLst>
               <a:ext uri="{28A0092B-C50C-407E-A947-70E740481C1C}">
                 <a14:useLocalDpi xmlns:a14="http://schemas.microsoft.com/office/drawing/2010/main" val="0"/>
@@ -2426,23 +2987,27 @@
     </p:spTree>
     <p:extLst>
       <p:ext uri="{BB962C8B-B14F-4D97-AF65-F5344CB8AC3E}">
-        <p14:creationId xmlns:p14="http://schemas.microsoft.com/office/powerpoint/2010/main" val="250497380"/>
+        <p14:creationId xmlns:p14="http://schemas.microsoft.com/office/powerpoint/2010/main" val="3743664085"/>
       </p:ext>
     </p:extLst>
   </p:cSld>
   <p:clrMap bg1="lt1" tx1="dk1" bg2="lt2" tx2="dk2" accent1="accent1" accent2="accent2" accent3="accent3" accent4="accent4" accent5="accent5" accent6="accent6" hlink="hlink" folHlink="folHlink"/>
   <p:sldLayoutIdLst>
-    <p:sldLayoutId id="2147483656" r:id="rId1"/>
-    <p:sldLayoutId id="2147483657" r:id="rId2"/>
-    <p:sldLayoutId id="2147483658" r:id="rId3"/>
-    <p:sldLayoutId id="2147483659" r:id="rId4"/>
-    <p:sldLayoutId id="2147483660" r:id="rId5"/>
-    <p:sldLayoutId id="2147483661" r:id="rId6"/>
-    <p:sldLayoutId id="2147483662" r:id="rId7"/>
+    <p:sldLayoutId id="2147483712" r:id="rId1"/>
+    <p:sldLayoutId id="2147483713" r:id="rId2"/>
+    <p:sldLayoutId id="2147483714" r:id="rId3"/>
+    <p:sldLayoutId id="2147483715" r:id="rId4"/>
+    <p:sldLayoutId id="2147483716" r:id="rId5"/>
+    <p:sldLayoutId id="2147483717" r:id="rId6"/>
+    <p:sldLayoutId id="2147483718" r:id="rId7"/>
+    <p:sldLayoutId id="2147483719" r:id="rId8"/>
+    <p:sldLayoutId id="2147483720" r:id="rId9"/>
+    <p:sldLayoutId id="2147483721" r:id="rId10"/>
+    <p:sldLayoutId id="2147483722" r:id="rId11"/>
   </p:sldLayoutIdLst>
   <p:txStyles>
     <p:titleStyle>
-      <a:lvl1pPr algn="l" defTabSz="914400" rtl="0" eaLnBrk="1" latinLnBrk="0" hangingPunct="1">
+      <a:lvl1pPr algn="ctr" defTabSz="914400" rtl="0" eaLnBrk="1" latinLnBrk="0" hangingPunct="1">
         <a:lnSpc>
           <a:spcPct val="90000"/>
         </a:lnSpc>
@@ -2450,11 +3015,10 @@
           <a:spcPct val="0"/>
         </a:spcBef>
         <a:buNone/>
-        <a:defRPr sz="4400" kern="1200" cap="all" baseline="0">
+        <a:defRPr sz="2600" kern="1200" cap="all" spc="200" baseline="0">
           <a:solidFill>
-            <a:schemeClr val="accent1"/>
+            <a:srgbClr val="262626"/>
           </a:solidFill>
-          <a:effectLst/>
           <a:latin typeface="+mj-lt"/>
           <a:ea typeface="+mj-ea"/>
           <a:cs typeface="+mj-cs"/>
@@ -2464,206 +3028,203 @@
     <p:bodyStyle>
       <a:lvl1pPr marL="228600" indent="-228600" algn="l" defTabSz="914400" rtl="0" eaLnBrk="1" latinLnBrk="0" hangingPunct="1">
         <a:lnSpc>
-          <a:spcPct val="120000"/>
+          <a:spcPct val="100000"/>
         </a:lnSpc>
         <a:spcBef>
           <a:spcPts val="1000"/>
         </a:spcBef>
         <a:buClr>
-          <a:schemeClr val="accent1"/>
+          <a:schemeClr val="accent2"/>
         </a:buClr>
-        <a:buSzPct val="160000"/>
         <a:buFont typeface="Arial" panose="020B0604020202020204" pitchFamily="34" charset="0"/>
         <a:buChar char="•"/>
-        <a:defRPr sz="2000" kern="1200" cap="all" baseline="0">
+        <a:defRPr sz="1800" kern="1200">
           <a:solidFill>
-            <a:schemeClr val="tx1"/>
+            <a:schemeClr val="tx1">
+              <a:lumMod val="85000"/>
+              <a:lumOff val="15000"/>
+            </a:schemeClr>
           </a:solidFill>
-          <a:effectLst/>
           <a:latin typeface="+mn-lt"/>
           <a:ea typeface="+mn-ea"/>
           <a:cs typeface="+mn-cs"/>
         </a:defRPr>
       </a:lvl1pPr>
-      <a:lvl2pPr marL="685800" indent="-228600" algn="l" defTabSz="914400" rtl="0" eaLnBrk="1" latinLnBrk="0" hangingPunct="1">
+      <a:lvl2pPr marL="457200" indent="-228600" algn="l" defTabSz="914400" rtl="0" eaLnBrk="1" latinLnBrk="0" hangingPunct="1">
         <a:lnSpc>
-          <a:spcPct val="120000"/>
+          <a:spcPct val="100000"/>
         </a:lnSpc>
         <a:spcBef>
-          <a:spcPts val="500"/>
+          <a:spcPts val="1000"/>
         </a:spcBef>
         <a:buClr>
-          <a:schemeClr val="accent1"/>
+          <a:schemeClr val="accent2"/>
         </a:buClr>
-        <a:buSzPct val="160000"/>
         <a:buFont typeface="Arial" panose="020B0604020202020204" pitchFamily="34" charset="0"/>
         <a:buChar char="•"/>
-        <a:defRPr sz="1800" kern="1200" cap="all" baseline="0">
+        <a:defRPr sz="1600" kern="1200">
           <a:solidFill>
-            <a:schemeClr val="tx1"/>
+            <a:schemeClr val="tx1">
+              <a:lumMod val="85000"/>
+              <a:lumOff val="15000"/>
+            </a:schemeClr>
           </a:solidFill>
-          <a:effectLst/>
           <a:latin typeface="+mn-lt"/>
           <a:ea typeface="+mn-ea"/>
           <a:cs typeface="+mn-cs"/>
         </a:defRPr>
       </a:lvl2pPr>
-      <a:lvl3pPr marL="1143000" indent="-228600" algn="l" defTabSz="914400" rtl="0" eaLnBrk="1" latinLnBrk="0" hangingPunct="1">
+      <a:lvl3pPr marL="685800" indent="-228600" algn="l" defTabSz="914400" rtl="0" eaLnBrk="1" latinLnBrk="0" hangingPunct="1">
         <a:lnSpc>
-          <a:spcPct val="120000"/>
+          <a:spcPct val="100000"/>
         </a:lnSpc>
         <a:spcBef>
-          <a:spcPts val="500"/>
+          <a:spcPts val="1000"/>
         </a:spcBef>
         <a:buClr>
-          <a:schemeClr val="accent1"/>
+          <a:schemeClr val="accent2"/>
         </a:buClr>
-        <a:buSzPct val="160000"/>
         <a:buFont typeface="Arial" panose="020B0604020202020204" pitchFamily="34" charset="0"/>
         <a:buChar char="•"/>
-        <a:defRPr sz="1600" kern="1200" cap="all" baseline="0">
+        <a:defRPr sz="1600" kern="1200">
           <a:solidFill>
-            <a:schemeClr val="tx1"/>
+            <a:schemeClr val="tx1">
+              <a:lumMod val="85000"/>
+              <a:lumOff val="15000"/>
+            </a:schemeClr>
           </a:solidFill>
-          <a:effectLst/>
           <a:latin typeface="+mn-lt"/>
           <a:ea typeface="+mn-ea"/>
           <a:cs typeface="+mn-cs"/>
         </a:defRPr>
       </a:lvl3pPr>
-      <a:lvl4pPr marL="1600200" indent="-228600" algn="l" defTabSz="914400" rtl="0" eaLnBrk="1" latinLnBrk="0" hangingPunct="1">
+      <a:lvl4pPr marL="914400" indent="-228600" algn="l" defTabSz="914400" rtl="0" eaLnBrk="1" latinLnBrk="0" hangingPunct="1">
         <a:lnSpc>
-          <a:spcPct val="120000"/>
+          <a:spcPct val="100000"/>
         </a:lnSpc>
         <a:spcBef>
-          <a:spcPts val="500"/>
+          <a:spcPts val="1000"/>
         </a:spcBef>
         <a:buClr>
-          <a:schemeClr val="accent1"/>
+          <a:schemeClr val="accent2"/>
         </a:buClr>
-        <a:buSzPct val="160000"/>
         <a:buFont typeface="Arial" panose="020B0604020202020204" pitchFamily="34" charset="0"/>
         <a:buChar char="•"/>
-        <a:defRPr sz="1400" kern="1200" cap="all" baseline="0">
+        <a:defRPr sz="1600" kern="1200">
           <a:solidFill>
-            <a:schemeClr val="tx1"/>
+            <a:schemeClr val="tx1">
+              <a:lumMod val="85000"/>
+              <a:lumOff val="15000"/>
+            </a:schemeClr>
           </a:solidFill>
-          <a:effectLst/>
           <a:latin typeface="+mn-lt"/>
           <a:ea typeface="+mn-ea"/>
           <a:cs typeface="+mn-cs"/>
         </a:defRPr>
       </a:lvl4pPr>
-      <a:lvl5pPr marL="2057400" indent="-228600" algn="l" defTabSz="914400" rtl="0" eaLnBrk="1" latinLnBrk="0" hangingPunct="1">
+      <a:lvl5pPr marL="1143000" indent="-228600" algn="l" defTabSz="914400" rtl="0" eaLnBrk="1" latinLnBrk="0" hangingPunct="1">
         <a:lnSpc>
-          <a:spcPct val="120000"/>
+          <a:spcPct val="100000"/>
         </a:lnSpc>
         <a:spcBef>
-          <a:spcPts val="500"/>
+          <a:spcPts val="1000"/>
         </a:spcBef>
         <a:buClr>
-          <a:schemeClr val="accent1"/>
+          <a:schemeClr val="accent2"/>
         </a:buClr>
-        <a:buSzPct val="160000"/>
         <a:buFont typeface="Arial" panose="020B0604020202020204" pitchFamily="34" charset="0"/>
         <a:buChar char="•"/>
-        <a:defRPr sz="1400" kern="1200" cap="all" baseline="0">
+        <a:defRPr sz="1600" kern="1200">
           <a:solidFill>
-            <a:schemeClr val="tx1"/>
+            <a:schemeClr val="tx1">
+              <a:lumMod val="85000"/>
+              <a:lumOff val="15000"/>
+            </a:schemeClr>
           </a:solidFill>
-          <a:effectLst/>
           <a:latin typeface="+mn-lt"/>
           <a:ea typeface="+mn-ea"/>
           <a:cs typeface="+mn-cs"/>
         </a:defRPr>
       </a:lvl5pPr>
-      <a:lvl6pPr marL="2514600" indent="-228600" algn="l" defTabSz="914400" rtl="0" eaLnBrk="1" latinLnBrk="0" hangingPunct="1">
+      <a:lvl6pPr marL="1314450" indent="-228600" algn="l" defTabSz="914400" rtl="0" eaLnBrk="1" latinLnBrk="0" hangingPunct="1">
         <a:lnSpc>
-          <a:spcPct val="120000"/>
+          <a:spcPct val="100000"/>
         </a:lnSpc>
         <a:spcBef>
-          <a:spcPts val="500"/>
+          <a:spcPts val="1000"/>
         </a:spcBef>
         <a:buClr>
-          <a:schemeClr val="accent1"/>
+          <a:schemeClr val="accent2"/>
         </a:buClr>
-        <a:buSzPct val="160000"/>
         <a:buFont typeface="Arial" panose="020B0604020202020204" pitchFamily="34" charset="0"/>
         <a:buChar char="•"/>
-        <a:defRPr sz="1400" kern="1200" cap="all" baseline="0">
+        <a:defRPr sz="1600" kern="1200">
           <a:solidFill>
             <a:schemeClr val="tx1"/>
           </a:solidFill>
-          <a:effectLst/>
           <a:latin typeface="+mn-lt"/>
           <a:ea typeface="+mn-ea"/>
           <a:cs typeface="+mn-cs"/>
         </a:defRPr>
       </a:lvl6pPr>
-      <a:lvl7pPr marL="2971800" indent="-228600" algn="l" defTabSz="914400" rtl="0" eaLnBrk="1" latinLnBrk="0" hangingPunct="1">
+      <a:lvl7pPr marL="1485900" indent="-228600" algn="l" defTabSz="914400" rtl="0" eaLnBrk="1" latinLnBrk="0" hangingPunct="1">
         <a:lnSpc>
-          <a:spcPct val="120000"/>
+          <a:spcPct val="100000"/>
         </a:lnSpc>
         <a:spcBef>
-          <a:spcPts val="500"/>
+          <a:spcPts val="1000"/>
         </a:spcBef>
         <a:buClr>
-          <a:schemeClr val="accent1"/>
+          <a:schemeClr val="accent2"/>
         </a:buClr>
-        <a:buSzPct val="160000"/>
         <a:buFont typeface="Arial" panose="020B0604020202020204" pitchFamily="34" charset="0"/>
         <a:buChar char="•"/>
-        <a:defRPr sz="1400" kern="1200" cap="all" baseline="0">
+        <a:defRPr sz="1600" kern="1200">
           <a:solidFill>
             <a:schemeClr val="tx1"/>
           </a:solidFill>
-          <a:effectLst/>
           <a:latin typeface="+mn-lt"/>
           <a:ea typeface="+mn-ea"/>
           <a:cs typeface="+mn-cs"/>
         </a:defRPr>
       </a:lvl7pPr>
-      <a:lvl8pPr marL="3429000" indent="-228600" algn="l" defTabSz="914400" rtl="0" eaLnBrk="1" latinLnBrk="0" hangingPunct="1">
+      <a:lvl8pPr marL="1657350" indent="-228600" algn="l" defTabSz="914400" rtl="0" eaLnBrk="1" latinLnBrk="0" hangingPunct="1">
         <a:lnSpc>
-          <a:spcPct val="120000"/>
+          <a:spcPct val="100000"/>
         </a:lnSpc>
         <a:spcBef>
-          <a:spcPts val="500"/>
+          <a:spcPts val="1000"/>
         </a:spcBef>
         <a:buClr>
-          <a:schemeClr val="accent1"/>
+          <a:schemeClr val="accent2"/>
         </a:buClr>
-        <a:buSzPct val="160000"/>
         <a:buFont typeface="Arial" panose="020B0604020202020204" pitchFamily="34" charset="0"/>
         <a:buChar char="•"/>
-        <a:defRPr sz="1400" kern="1200" cap="all" baseline="0">
+        <a:defRPr sz="1600" kern="1200" baseline="0">
           <a:solidFill>
             <a:schemeClr val="tx1"/>
           </a:solidFill>
-          <a:effectLst/>
           <a:latin typeface="+mn-lt"/>
           <a:ea typeface="+mn-ea"/>
           <a:cs typeface="+mn-cs"/>
         </a:defRPr>
       </a:lvl8pPr>
-      <a:lvl9pPr marL="3886200" indent="-228600" algn="l" defTabSz="914400" rtl="0" eaLnBrk="1" latinLnBrk="0" hangingPunct="1">
+      <a:lvl9pPr marL="1828800" indent="-228600" algn="l" defTabSz="914400" rtl="0" eaLnBrk="1" latinLnBrk="0" hangingPunct="1">
         <a:lnSpc>
-          <a:spcPct val="120000"/>
+          <a:spcPct val="100000"/>
         </a:lnSpc>
         <a:spcBef>
-          <a:spcPts val="500"/>
+          <a:spcPts val="1000"/>
         </a:spcBef>
         <a:buClr>
-          <a:schemeClr val="accent1"/>
+          <a:schemeClr val="accent2"/>
         </a:buClr>
-        <a:buSzPct val="160000"/>
         <a:buFont typeface="Arial" panose="020B0604020202020204" pitchFamily="34" charset="0"/>
         <a:buChar char="•"/>
-        <a:defRPr sz="1400" kern="1200" cap="all" baseline="0">
+        <a:defRPr sz="1600" kern="1200" baseline="0">
           <a:solidFill>
             <a:schemeClr val="tx1"/>
           </a:solidFill>
-          <a:effectLst/>
           <a:latin typeface="+mn-lt"/>
           <a:ea typeface="+mn-ea"/>
           <a:cs typeface="+mn-cs"/>
@@ -2805,7 +3366,7 @@
               <a:buNone/>
             </a:pPr>
             <a:r>
-              <a:rPr/>
+              <a:rPr dirty="0"/>
               <a:t>PowerPoint Example</a:t>
             </a:r>
           </a:p>
@@ -2823,22 +3384,30 @@
         </p:nvSpPr>
         <p:spPr/>
         <p:txBody>
-          <a:bodyPr/>
+          <a:bodyPr>
+            <a:normAutofit/>
+          </a:bodyPr>
           <a:lstStyle/>
           <a:p>
             <a:pPr marL="0" lvl="0" indent="0">
               <a:buNone/>
             </a:pPr>
             <a:r>
+              <a:rPr dirty="0"/>
               <a:t/>
             </a:r>
-            <a:br/>
-            <a:r>
+            <a:br>
+              <a:rPr dirty="0"/>
+            </a:br>
+            <a:r>
+              <a:rPr dirty="0"/>
               <a:t/>
             </a:r>
-            <a:br/>
-            <a:r>
-              <a:rPr/>
+            <a:br>
+              <a:rPr dirty="0"/>
+            </a:br>
+            <a:r>
+              <a:rPr dirty="0"/>
               <a:t>Greg Rousell</a:t>
             </a:r>
           </a:p>
@@ -2863,7 +3432,7 @@
               <a:buNone/>
             </a:pPr>
             <a:r>
-              <a:rPr/>
+              <a:rPr dirty="0"/>
               <a:t>13/07/2020</a:t>
             </a:r>
           </a:p>
@@ -2913,7 +3482,7 @@
               <a:buNone/>
             </a:pPr>
             <a:r>
-              <a:rPr/>
+              <a:rPr dirty="0"/>
               <a:t>R Markdown</a:t>
             </a:r>
           </a:p>
@@ -2926,7 +3495,7 @@
             <a:spLocks noGrp="1"/>
           </p:cNvSpPr>
           <p:nvPr>
-            <p:ph sz="quarter" idx="13"/>
+            <p:ph idx="1"/>
           </p:nvPr>
         </p:nvSpPr>
         <p:spPr/>
@@ -2940,17 +3509,17 @@
               <a:buNone/>
             </a:pPr>
             <a:r>
-              <a:rPr/>
+              <a:rPr dirty="0"/>
               <a:t>This is an R Markdown presentation. Markdown is a simple formatting syntax for authoring HTML, PDF, and MS Word documents. For more details on using R Markdown see </a:t>
             </a:r>
             <a:r>
-              <a:rPr>
+              <a:rPr dirty="0">
                 <a:hlinkClick r:id="rId2"/>
               </a:rPr>
               <a:t>http://rmarkdown.rstudio.com</a:t>
             </a:r>
             <a:r>
-              <a:rPr/>
+              <a:rPr dirty="0"/>
               <a:t>.</a:t>
             </a:r>
           </a:p>
@@ -2959,15 +3528,15 @@
               <a:buNone/>
             </a:pPr>
             <a:r>
-              <a:rPr/>
+              <a:rPr dirty="0"/>
               <a:t>When you click the </a:t>
             </a:r>
             <a:r>
-              <a:rPr b="1"/>
+              <a:rPr b="1" dirty="0"/>
               <a:t>Knit</a:t>
             </a:r>
             <a:r>
-              <a:rPr/>
+              <a:rPr dirty="0"/>
               <a:t> button a document will be generated that includes both content as well as the output of any embedded R code chunks within the document.</a:t>
             </a:r>
           </a:p>
@@ -3017,7 +3586,7 @@
               <a:buNone/>
             </a:pPr>
             <a:r>
-              <a:rPr/>
+              <a:rPr dirty="0"/>
               <a:t>Slide with Bullets</a:t>
             </a:r>
           </a:p>
@@ -3030,7 +3599,7 @@
             <a:spLocks noGrp="1"/>
           </p:cNvSpPr>
           <p:nvPr>
-            <p:ph sz="quarter" idx="13"/>
+            <p:ph idx="1"/>
           </p:nvPr>
         </p:nvSpPr>
         <p:spPr/>
@@ -3040,21 +3609,21 @@
           <a:p>
             <a:pPr lvl="1"/>
             <a:r>
-              <a:rPr/>
+              <a:rPr dirty="0"/>
               <a:t>Bullet 1</a:t>
             </a:r>
           </a:p>
           <a:p>
             <a:pPr lvl="1"/>
             <a:r>
-              <a:rPr/>
+              <a:rPr dirty="0"/>
               <a:t>Bullet 2</a:t>
             </a:r>
           </a:p>
           <a:p>
             <a:pPr lvl="1"/>
             <a:r>
-              <a:rPr/>
+              <a:rPr dirty="0"/>
               <a:t>Bullet 3</a:t>
             </a:r>
           </a:p>
@@ -3104,7 +3673,7 @@
               <a:buNone/>
             </a:pPr>
             <a:r>
-              <a:rPr/>
+              <a:rPr dirty="0"/>
               <a:t>Slide with R Output</a:t>
             </a:r>
           </a:p>
@@ -3117,13 +3686,13 @@
             <a:spLocks noGrp="1"/>
           </p:cNvSpPr>
           <p:nvPr>
-            <p:ph sz="quarter" idx="13"/>
+            <p:ph idx="1"/>
           </p:nvPr>
         </p:nvSpPr>
         <p:spPr/>
         <p:txBody>
           <a:bodyPr>
-            <a:normAutofit fontScale="92500" lnSpcReduction="10000"/>
+            <a:normAutofit fontScale="92500"/>
           </a:bodyPr>
           <a:lstStyle/>
           <a:p>
@@ -3131,7 +3700,7 @@
               <a:buNone/>
             </a:pPr>
             <a:r>
-              <a:rPr sz="1800" b="1">
+              <a:rPr sz="1800" b="1" dirty="0">
                 <a:solidFill>
                   <a:srgbClr val="007020"/>
                 </a:solidFill>
@@ -3140,7 +3709,7 @@
               <a:t>summary</a:t>
             </a:r>
             <a:r>
-              <a:rPr sz="1800">
+              <a:rPr sz="1800" dirty="0">
                 <a:latin typeface="Courier"/>
               </a:rPr>
               <a:t>(cars)</a:t>
@@ -3151,10 +3720,22 @@
               <a:buNone/>
             </a:pPr>
             <a:r>
-              <a:rPr sz="1800">
+              <a:rPr sz="1800" dirty="0">
                 <a:latin typeface="Courier"/>
               </a:rPr>
-              <a:t>##      speed           dist       
+              <a:t>##      speed           </a:t>
+            </a:r>
+            <a:r>
+              <a:rPr sz="1800" dirty="0" err="1">
+                <a:latin typeface="Courier"/>
+              </a:rPr>
+              <a:t>dist</a:t>
+            </a:r>
+            <a:r>
+              <a:rPr sz="1800" dirty="0">
+                <a:latin typeface="Courier"/>
+              </a:rPr>
+              <a:t>       
 ##  Min.   : 4.0   Min.   :  2.00  
 ##  1st Qu.:12.0   1st Qu.: 26.00  
 ##  Median :15.0   Median : 36.00  
@@ -3302,7 +3883,7 @@
             <a:spLocks noGrp="1"/>
           </p:cNvSpPr>
           <p:nvPr>
-            <p:ph sz="quarter" idx="13"/>
+            <p:ph sz="half" idx="1"/>
           </p:nvPr>
         </p:nvSpPr>
         <p:spPr/>
@@ -3327,7 +3908,7 @@
             <a:spLocks noGrp="1"/>
           </p:cNvSpPr>
           <p:nvPr>
-            <p:ph sz="quarter" idx="14"/>
+            <p:ph sz="half" idx="2"/>
           </p:nvPr>
         </p:nvSpPr>
         <p:spPr/>
@@ -3354,91 +3935,58 @@
 </file>
 
 <file path=ppt/theme/theme1.xml><?xml version="1.0" encoding="utf-8"?>
-<a:theme xmlns:a="http://schemas.openxmlformats.org/drawingml/2006/main" name="Main Event">
+<a:theme xmlns:a="http://schemas.openxmlformats.org/drawingml/2006/main" name="Parcel">
   <a:themeElements>
-    <a:clrScheme name="Main Event">
+    <a:clrScheme name="Parcel">
       <a:dk1>
-        <a:sysClr val="windowText" lastClr="000000"/>
+        <a:srgbClr val="000000"/>
       </a:dk1>
       <a:lt1>
-        <a:sysClr val="window" lastClr="FFFFFF"/>
+        <a:srgbClr val="FFFFFF"/>
       </a:lt1>
       <a:dk2>
-        <a:srgbClr val="424242"/>
+        <a:srgbClr val="4A5356"/>
       </a:dk2>
       <a:lt2>
-        <a:srgbClr val="C8C8C8"/>
+        <a:srgbClr val="E8E3CE"/>
       </a:lt2>
       <a:accent1>
-        <a:srgbClr val="B80E0F"/>
+        <a:srgbClr val="F6A21D"/>
       </a:accent1>
       <a:accent2>
-        <a:srgbClr val="A6987D"/>
+        <a:srgbClr val="9BAFB5"/>
       </a:accent2>
       <a:accent3>
-        <a:srgbClr val="7F9A71"/>
+        <a:srgbClr val="C96731"/>
       </a:accent3>
       <a:accent4>
-        <a:srgbClr val="64969F"/>
+        <a:srgbClr val="9CA383"/>
       </a:accent4>
       <a:accent5>
-        <a:srgbClr val="9B75B2"/>
+        <a:srgbClr val="87795D"/>
       </a:accent5>
       <a:accent6>
-        <a:srgbClr val="80737A"/>
+        <a:srgbClr val="A0988C"/>
       </a:accent6>
       <a:hlink>
-        <a:srgbClr val="F21213"/>
+        <a:srgbClr val="00B0F0"/>
       </a:hlink>
       <a:folHlink>
-        <a:srgbClr val="B6A394"/>
+        <a:srgbClr val="738F97"/>
       </a:folHlink>
     </a:clrScheme>
-    <a:fontScheme name="Office">
+    <a:fontScheme name="Parcel">
       <a:majorFont>
-        <a:latin typeface="Calibri Light" panose="020F0302020204030204"/>
+        <a:latin typeface="Gill Sans MT" panose="020B0502020104020203"/>
         <a:ea typeface=""/>
         <a:cs typeface=""/>
-        <a:font script="Jpan" typeface="游ゴシック Light"/>
-        <a:font script="Hang" typeface="맑은 고딕"/>
-        <a:font script="Hans" typeface="等线 Light"/>
-        <a:font script="Hant" typeface="新細明體"/>
-        <a:font script="Arab" typeface="Times New Roman"/>
-        <a:font script="Hebr" typeface="Times New Roman"/>
-        <a:font script="Thai" typeface="Angsana New"/>
-        <a:font script="Ethi" typeface="Nyala"/>
-        <a:font script="Beng" typeface="Vrinda"/>
-        <a:font script="Gujr" typeface="Shruti"/>
-        <a:font script="Khmr" typeface="MoolBoran"/>
-        <a:font script="Knda" typeface="Tunga"/>
-        <a:font script="Guru" typeface="Raavi"/>
-        <a:font script="Cans" typeface="Euphemia"/>
-        <a:font script="Cher" typeface="Plantagenet Cherokee"/>
-        <a:font script="Yiii" typeface="Microsoft Yi Baiti"/>
-        <a:font script="Tibt" typeface="Microsoft Himalaya"/>
-        <a:font script="Thaa" typeface="MV Boli"/>
-        <a:font script="Deva" typeface="Mangal"/>
-        <a:font script="Telu" typeface="Gautami"/>
-        <a:font script="Taml" typeface="Latha"/>
-        <a:font script="Syrc" typeface="Estrangelo Edessa"/>
-        <a:font script="Orya" typeface="Kalinga"/>
-        <a:font script="Mlym" typeface="Kartika"/>
-        <a:font script="Laoo" typeface="DokChampa"/>
-        <a:font script="Sinh" typeface="Iskoola Pota"/>
-        <a:font script="Mong" typeface="Mongolian Baiti"/>
-        <a:font script="Viet" typeface="Times New Roman"/>
-        <a:font script="Uigh" typeface="Microsoft Uighur"/>
-        <a:font script="Geor" typeface="Sylfaen"/>
-      </a:majorFont>
-      <a:minorFont>
-        <a:latin typeface="Calibri" panose="020F0502020204030204"/>
-        <a:ea typeface=""/>
-        <a:cs typeface=""/>
-        <a:font script="Jpan" typeface="游ゴシック"/>
-        <a:font script="Hang" typeface="맑은 고딕"/>
-        <a:font script="Hans" typeface="等线"/>
-        <a:font script="Hant" typeface="新細明體"/>
-        <a:font script="Arab" typeface="Arial"/>
+        <a:font script="Grek" typeface="Corbel"/>
+        <a:font script="Cyrl" typeface="Corbel"/>
+        <a:font script="Jpan" typeface="HGｺﾞｼｯｸE"/>
+        <a:font script="Hang" typeface="휴먼매직체"/>
+        <a:font script="Hans" typeface="华文中宋"/>
+        <a:font script="Hant" typeface="微軟正黑體"/>
+        <a:font script="Arab" typeface="Majalla UI"/>
         <a:font script="Hebr" typeface="Arial"/>
         <a:font script="Thai" typeface="Cordia New"/>
         <a:font script="Ethi" typeface="Nyala"/>
@@ -3461,52 +4009,113 @@
         <a:font script="Laoo" typeface="DokChampa"/>
         <a:font script="Sinh" typeface="Iskoola Pota"/>
         <a:font script="Mong" typeface="Mongolian Baiti"/>
-        <a:font script="Viet" typeface="Arial"/>
+        <a:font script="Viet" typeface="Tahoma"/>
+        <a:font script="Uigh" typeface="Microsoft Uighur"/>
+        <a:font script="Geor" typeface="Sylfaen"/>
+      </a:majorFont>
+      <a:minorFont>
+        <a:latin typeface="Gill Sans MT" panose="020B0502020104020203"/>
+        <a:ea typeface=""/>
+        <a:cs typeface=""/>
+        <a:font script="Grek" typeface="Corbel"/>
+        <a:font script="Cyrl" typeface="Corbel"/>
+        <a:font script="Jpan" typeface="HGｺﾞｼｯｸE"/>
+        <a:font script="Hang" typeface="휴먼매직체"/>
+        <a:font script="Hans" typeface="华文中宋"/>
+        <a:font script="Hant" typeface="微軟正黑體"/>
+        <a:font script="Arab" typeface="Majalla UI"/>
+        <a:font script="Hebr" typeface="Arial"/>
+        <a:font script="Thai" typeface="Cordia New"/>
+        <a:font script="Ethi" typeface="Nyala"/>
+        <a:font script="Beng" typeface="Vrinda"/>
+        <a:font script="Gujr" typeface="Shruti"/>
+        <a:font script="Khmr" typeface="DaunPenh"/>
+        <a:font script="Knda" typeface="Tunga"/>
+        <a:font script="Guru" typeface="Raavi"/>
+        <a:font script="Cans" typeface="Euphemia"/>
+        <a:font script="Cher" typeface="Plantagenet Cherokee"/>
+        <a:font script="Yiii" typeface="Microsoft Yi Baiti"/>
+        <a:font script="Tibt" typeface="Microsoft Himalaya"/>
+        <a:font script="Thaa" typeface="MV Boli"/>
+        <a:font script="Deva" typeface="Mangal"/>
+        <a:font script="Telu" typeface="Gautami"/>
+        <a:font script="Taml" typeface="Latha"/>
+        <a:font script="Syrc" typeface="Estrangelo Edessa"/>
+        <a:font script="Orya" typeface="Kalinga"/>
+        <a:font script="Mlym" typeface="Kartika"/>
+        <a:font script="Laoo" typeface="DokChampa"/>
+        <a:font script="Sinh" typeface="Iskoola Pota"/>
+        <a:font script="Mong" typeface="Mongolian Baiti"/>
+        <a:font script="Viet" typeface="Tahoma"/>
         <a:font script="Uigh" typeface="Microsoft Uighur"/>
         <a:font script="Geor" typeface="Sylfaen"/>
       </a:minorFont>
     </a:fontScheme>
-    <a:fmtScheme name="Main Event">
+    <a:fmtScheme name="Parcel">
       <a:fillStyleLst>
         <a:solidFill>
           <a:schemeClr val="phClr"/>
         </a:solidFill>
-        <a:solidFill>
-          <a:schemeClr val="phClr">
-            <a:tint val="69000"/>
-            <a:satMod val="105000"/>
-            <a:lumMod val="110000"/>
-          </a:schemeClr>
-        </a:solidFill>
-        <a:blipFill>
-          <a:blip xmlns:r="http://schemas.openxmlformats.org/officeDocument/2006/relationships" r:embed="rId1">
-            <a:duotone>
+        <a:gradFill rotWithShape="1">
+          <a:gsLst>
+            <a:gs pos="0">
               <a:schemeClr val="phClr">
-                <a:shade val="88000"/>
-                <a:lumMod val="88000"/>
+                <a:tint val="80000"/>
+                <a:satMod val="107000"/>
+                <a:lumMod val="103000"/>
               </a:schemeClr>
-              <a:schemeClr val="phClr"/>
-            </a:duotone>
-          </a:blip>
-          <a:tile tx="0" ty="0" sx="100000" sy="100000" flip="none" algn="tl"/>
-        </a:blipFill>
+            </a:gs>
+            <a:gs pos="100000">
+              <a:schemeClr val="phClr">
+                <a:tint val="82000"/>
+                <a:satMod val="109000"/>
+                <a:lumMod val="103000"/>
+              </a:schemeClr>
+            </a:gs>
+          </a:gsLst>
+          <a:lin ang="5400000" scaled="0"/>
+        </a:gradFill>
+        <a:gradFill rotWithShape="1">
+          <a:gsLst>
+            <a:gs pos="0">
+              <a:schemeClr val="phClr">
+                <a:tint val="97000"/>
+                <a:satMod val="100000"/>
+                <a:lumMod val="102000"/>
+              </a:schemeClr>
+            </a:gs>
+            <a:gs pos="50000">
+              <a:schemeClr val="phClr">
+                <a:shade val="100000"/>
+                <a:satMod val="103000"/>
+                <a:lumMod val="100000"/>
+              </a:schemeClr>
+            </a:gs>
+            <a:gs pos="100000">
+              <a:schemeClr val="phClr">
+                <a:shade val="93000"/>
+                <a:satMod val="110000"/>
+                <a:lumMod val="99000"/>
+              </a:schemeClr>
+            </a:gs>
+          </a:gsLst>
+          <a:lin ang="5400000" scaled="0"/>
+        </a:gradFill>
       </a:fillStyleLst>
       <a:lnStyleLst>
-        <a:ln w="9525" cap="flat" cmpd="sng" algn="ctr">
-          <a:solidFill>
-            <a:schemeClr val="phClr">
-              <a:shade val="60000"/>
-            </a:schemeClr>
-          </a:solidFill>
-          <a:prstDash val="solid"/>
-        </a:ln>
-        <a:ln w="19050" cap="flat" cmpd="sng" algn="ctr">
+        <a:ln w="6350" cap="flat" cmpd="sng" algn="ctr">
           <a:solidFill>
             <a:schemeClr val="phClr"/>
           </a:solidFill>
           <a:prstDash val="solid"/>
         </a:ln>
-        <a:ln w="25400" cap="flat" cmpd="sng" algn="ctr">
+        <a:ln w="12700" cap="flat" cmpd="sng" algn="ctr">
+          <a:solidFill>
+            <a:schemeClr val="phClr"/>
+          </a:solidFill>
+          <a:prstDash val="solid"/>
+        </a:ln>
+        <a:ln w="31750" cap="flat" cmpd="sng" algn="ctr">
           <a:solidFill>
             <a:schemeClr val="phClr"/>
           </a:solidFill>
@@ -3522,51 +4131,56 @@
         </a:effectStyle>
         <a:effectStyle>
           <a:effectLst>
-            <a:outerShdw blurRad="25400" dist="12700" dir="5400000" rotWithShape="0">
+            <a:outerShdw blurRad="55880" dist="15240" dir="5400000" algn="ctr" rotWithShape="0">
               <a:srgbClr val="000000">
-                <a:alpha val="60000"/>
+                <a:alpha val="45000"/>
               </a:srgbClr>
             </a:outerShdw>
           </a:effectLst>
+          <a:scene3d>
+            <a:camera prst="orthographicFront">
+              <a:rot lat="0" lon="0" rev="0"/>
+            </a:camera>
+            <a:lightRig rig="brightRoom" dir="tl"/>
+          </a:scene3d>
+          <a:sp3d prstMaterial="dkEdge">
+            <a:bevelT w="0" h="0"/>
+          </a:sp3d>
         </a:effectStyle>
       </a:effectStyleLst>
       <a:bgFillStyleLst>
         <a:solidFill>
           <a:schemeClr val="phClr"/>
         </a:solidFill>
+        <a:solidFill>
+          <a:schemeClr val="phClr">
+            <a:tint val="95000"/>
+            <a:satMod val="170000"/>
+          </a:schemeClr>
+        </a:solidFill>
         <a:gradFill rotWithShape="1">
           <a:gsLst>
             <a:gs pos="0">
               <a:schemeClr val="phClr">
-                <a:tint val="90000"/>
-                <a:lumMod val="110000"/>
+                <a:tint val="97000"/>
+                <a:shade val="100000"/>
+                <a:satMod val="185000"/>
+                <a:lumMod val="120000"/>
               </a:schemeClr>
             </a:gs>
             <a:gs pos="100000">
               <a:schemeClr val="phClr">
-                <a:shade val="88000"/>
-                <a:lumMod val="88000"/>
+                <a:tint val="96000"/>
+                <a:shade val="95000"/>
+                <a:satMod val="215000"/>
+                <a:lumMod val="80000"/>
               </a:schemeClr>
             </a:gs>
           </a:gsLst>
-          <a:lin ang="5400000" scaled="0"/>
+          <a:path path="circle">
+            <a:fillToRect l="50000" t="55000" r="125000" b="100000"/>
+          </a:path>
         </a:gradFill>
-        <a:blipFill>
-          <a:blip xmlns:r="http://schemas.openxmlformats.org/officeDocument/2006/relationships" r:embed="rId2">
-            <a:duotone>
-              <a:schemeClr val="phClr">
-                <a:shade val="48000"/>
-                <a:satMod val="110000"/>
-                <a:lumMod val="40000"/>
-              </a:schemeClr>
-              <a:schemeClr val="phClr">
-                <a:tint val="90000"/>
-                <a:lumMod val="106000"/>
-              </a:schemeClr>
-            </a:duotone>
-          </a:blip>
-          <a:stretch/>
-        </a:blipFill>
       </a:bgFillStyleLst>
     </a:fmtScheme>
   </a:themeElements>
@@ -3574,7 +4188,7 @@
   <a:extraClrSchemeLst/>
   <a:extLst>
     <a:ext uri="{05A4C25C-085E-4340-85A3-A5531E510DB2}">
-      <thm15:themeFamily xmlns:thm15="http://schemas.microsoft.com/office/thememl/2012/main" name="Main Event" id="{AC372BB4-D83D-411E-B849-B641926BA760}" vid="{F1EFBDE3-1A95-4E3D-81AD-1F53D65BEA01}"/>
+      <thm15:themeFamily xmlns:thm15="http://schemas.microsoft.com/office/thememl/2012/main" name="Parcel" id="{8BEC4385-4EB9-4D53-BFB5-0EA123736B6D}" vid="{4DB32801-28C0-48B0-8C1D-A9A58613615A}"/>
     </a:ext>
   </a:extLst>
 </a:theme>
